--- a/leture_powerpoint_0109.pptx
+++ b/leture_powerpoint_0109.pptx
@@ -6,10 +6,10 @@
     <p:sldMasterId id="2147483698" r:id="rId2"/>
   </p:sldMasterIdLst>
   <p:notesMasterIdLst>
-    <p:notesMasterId r:id="rId18"/>
+    <p:notesMasterId r:id="rId25"/>
   </p:notesMasterIdLst>
   <p:handoutMasterIdLst>
-    <p:handoutMasterId r:id="rId19"/>
+    <p:handoutMasterId r:id="rId26"/>
   </p:handoutMasterIdLst>
   <p:sldIdLst>
     <p:sldId id="866" r:id="rId3"/>
@@ -22,11 +22,18 @@
     <p:sldId id="944" r:id="rId10"/>
     <p:sldId id="945" r:id="rId11"/>
     <p:sldId id="946" r:id="rId12"/>
-    <p:sldId id="917" r:id="rId13"/>
-    <p:sldId id="922" r:id="rId14"/>
-    <p:sldId id="933" r:id="rId15"/>
-    <p:sldId id="824" r:id="rId16"/>
-    <p:sldId id="919" r:id="rId17"/>
+    <p:sldId id="947" r:id="rId13"/>
+    <p:sldId id="948" r:id="rId14"/>
+    <p:sldId id="955" r:id="rId15"/>
+    <p:sldId id="949" r:id="rId16"/>
+    <p:sldId id="917" r:id="rId17"/>
+    <p:sldId id="922" r:id="rId18"/>
+    <p:sldId id="933" r:id="rId19"/>
+    <p:sldId id="824" r:id="rId20"/>
+    <p:sldId id="919" r:id="rId21"/>
+    <p:sldId id="953" r:id="rId22"/>
+    <p:sldId id="956" r:id="rId23"/>
+    <p:sldId id="954" r:id="rId24"/>
   </p:sldIdLst>
   <p:sldSz cx="12192000" cy="6858000"/>
   <p:notesSz cx="6858000" cy="9144000"/>
@@ -144,6 +151,10 @@
             <p14:sldId id="944"/>
             <p14:sldId id="945"/>
             <p14:sldId id="946"/>
+            <p14:sldId id="947"/>
+            <p14:sldId id="948"/>
+            <p14:sldId id="955"/>
+            <p14:sldId id="949"/>
           </p14:sldIdLst>
         </p14:section>
         <p14:section name="Parallism in Rcpp" id="{4F6C2A92-8957-444D-8747-C6B5B78E5688}">
@@ -161,6 +172,13 @@
         <p14:section name="Reference" id="{FA021582-F2A3-40BD-AE33-C0B5D93C1A68}">
           <p14:sldIdLst>
             <p14:sldId id="919"/>
+          </p14:sldIdLst>
+        </p14:section>
+        <p14:section name="supplementary" id="{8B4EB371-6E2D-4A64-B6F7-090AD25FB175}">
+          <p14:sldIdLst>
+            <p14:sldId id="953"/>
+            <p14:sldId id="956"/>
+            <p14:sldId id="954"/>
           </p14:sldIdLst>
         </p14:section>
       </p14:sectionLst>
@@ -252,6 +270,32 @@
 </p:presentation>
 </file>
 
+<file path=ppt/commentAuthors.xml><?xml version="1.0" encoding="utf-8"?>
+<p:cmAuthorLst xmlns:a="http://schemas.openxmlformats.org/drawingml/2006/main" xmlns:r="http://schemas.openxmlformats.org/officeDocument/2006/relationships" xmlns:p="http://schemas.openxmlformats.org/presentationml/2006/main">
+  <p:cmAuthor id="1" name="慶全 陳" initials="慶全" lastIdx="1" clrIdx="0">
+    <p:extLst>
+      <p:ext uri="{19B8F6BF-5375-455C-9EA6-DF929625EA0E}">
+        <p15:presenceInfo xmlns:p15="http://schemas.microsoft.com/office/powerpoint/2012/main" userId="242d15552c604ff3" providerId="Windows Live"/>
+      </p:ext>
+    </p:extLst>
+  </p:cmAuthor>
+</p:cmAuthorLst>
+</file>
+
+<file path=ppt/comments/comment1.xml><?xml version="1.0" encoding="utf-8"?>
+<p:cmLst xmlns:a="http://schemas.openxmlformats.org/drawingml/2006/main" xmlns:r="http://schemas.openxmlformats.org/officeDocument/2006/relationships" xmlns:p="http://schemas.openxmlformats.org/presentationml/2006/main">
+  <p:cm authorId="1" dt="2019-01-05T08:59:10.001" idx="1">
+    <p:pos x="10" y="10"/>
+    <p:text/>
+    <p:extLst>
+      <p:ext uri="{C676402C-5697-4E1C-873F-D02D1690AC5C}">
+        <p15:threadingInfo xmlns:p15="http://schemas.microsoft.com/office/powerpoint/2012/main" timeZoneBias="-480"/>
+      </p:ext>
+    </p:extLst>
+  </p:cm>
+</p:cmLst>
+</file>
+
 <file path=ppt/handoutMasters/handoutMaster1.xml><?xml version="1.0" encoding="utf-8"?>
 <p:handoutMaster xmlns:a="http://schemas.openxmlformats.org/drawingml/2006/main" xmlns:r="http://schemas.openxmlformats.org/officeDocument/2006/relationships" xmlns:p="http://schemas.openxmlformats.org/presentationml/2006/main">
   <p:cSld>
@@ -335,7 +379,7 @@
             <a:fld id="{EA33B4B9-AFB0-43EB-82AF-ED70AC262E4F}" type="datetimeFigureOut">
               <a:rPr lang="en-US" smtClean="0"/>
               <a:pPr/>
-              <a:t>1/4/2019</a:t>
+              <a:t>1/5/2019</a:t>
             </a:fld>
             <a:endParaRPr lang="en-US"/>
           </a:p>
@@ -1009,7 +1053,7 @@
             <a:fld id="{2CA3AB2B-189A-4C92-A457-C6A3833631A7}" type="slidenum">
               <a:rPr lang="en-US" smtClean="0"/>
               <a:pPr/>
-              <a:t>14</a:t>
+              <a:t>18</a:t>
             </a:fld>
             <a:endParaRPr lang="en-US"/>
           </a:p>
@@ -1965,7 +2009,7 @@
           <a:p>
             <a:r>
               <a:rPr lang="en-US" dirty="0"/>
-              <a:t>2019/01/03</a:t>
+              <a:t>2019/01/09</a:t>
             </a:r>
           </a:p>
         </p:txBody>
@@ -2240,7 +2284,7 @@
           <a:p>
             <a:r>
               <a:rPr lang="en-US" dirty="0"/>
-              <a:t>2019/01/03</a:t>
+              <a:t>2019/01/09</a:t>
             </a:r>
           </a:p>
         </p:txBody>
@@ -3265,7 +3309,7 @@
           <a:p>
             <a:r>
               <a:rPr lang="en-US" dirty="0"/>
-              <a:t>2019/01/03</a:t>
+              <a:t>2019/01/09</a:t>
             </a:r>
           </a:p>
         </p:txBody>
@@ -4297,7 +4341,7 @@
           <a:p>
             <a:r>
               <a:rPr lang="en-US" dirty="0"/>
-              <a:t>2019/01/03</a:t>
+              <a:t>2019/01/09</a:t>
             </a:r>
           </a:p>
         </p:txBody>
@@ -5954,7 +5998,7 @@
           <a:p>
             <a:r>
               <a:rPr lang="en-US" dirty="0"/>
-              <a:t>2019/01/03</a:t>
+              <a:t>2019/01/09</a:t>
             </a:r>
           </a:p>
         </p:txBody>
@@ -6214,7 +6258,7 @@
           <a:p>
             <a:r>
               <a:rPr lang="en-US" dirty="0"/>
-              <a:t>2019/01/03</a:t>
+              <a:t>2019/01/09</a:t>
             </a:r>
           </a:p>
         </p:txBody>
@@ -7258,7 +7302,7 @@
           <a:p>
             <a:r>
               <a:rPr lang="en-US" dirty="0"/>
-              <a:t>2019/01/03</a:t>
+              <a:t>2019/01/09</a:t>
             </a:r>
           </a:p>
         </p:txBody>
@@ -7412,7 +7456,7 @@
           <a:p>
             <a:r>
               <a:rPr lang="en-US" dirty="0"/>
-              <a:t>2019/01/03</a:t>
+              <a:t>2019/01/09</a:t>
             </a:r>
           </a:p>
         </p:txBody>
@@ -8409,7 +8453,7 @@
           <a:p>
             <a:r>
               <a:rPr lang="en-US" dirty="0"/>
-              <a:t>2019/01/03</a:t>
+              <a:t>2019/01/09</a:t>
             </a:r>
           </a:p>
         </p:txBody>
@@ -8823,7 +8867,7 @@
           <a:p>
             <a:r>
               <a:rPr lang="en-US" dirty="0"/>
-              <a:t>2019/01/03</a:t>
+              <a:t>2019/01/09</a:t>
             </a:r>
           </a:p>
         </p:txBody>
@@ -9136,7 +9180,7 @@
           <a:p>
             <a:r>
               <a:rPr lang="en-US" dirty="0"/>
-              <a:t>2019/01/03</a:t>
+              <a:t>2019/01/09</a:t>
             </a:r>
           </a:p>
         </p:txBody>
@@ -10412,7 +10456,7 @@
           <a:p>
             <a:r>
               <a:rPr lang="en-US" dirty="0"/>
-              <a:t>2019/01/03</a:t>
+              <a:t>2019/01/09</a:t>
             </a:r>
           </a:p>
         </p:txBody>
@@ -10612,7 +10656,7 @@
           <a:p>
             <a:r>
               <a:rPr lang="en-US" dirty="0"/>
-              <a:t>2019/01/03</a:t>
+              <a:t>2019/01/09</a:t>
             </a:r>
           </a:p>
         </p:txBody>
@@ -10822,7 +10866,7 @@
           <a:p>
             <a:r>
               <a:rPr lang="en-US" dirty="0"/>
-              <a:t>2019/01/03</a:t>
+              <a:t>2019/01/09</a:t>
             </a:r>
           </a:p>
         </p:txBody>
@@ -11246,7 +11290,7 @@
           <a:p>
             <a:r>
               <a:rPr lang="en-US" dirty="0"/>
-              <a:t>2019/01/03</a:t>
+              <a:t>2019/01/09</a:t>
             </a:r>
           </a:p>
         </p:txBody>
@@ -11537,7 +11581,7 @@
           <a:p>
             <a:r>
               <a:rPr lang="en-US" dirty="0"/>
-              <a:t>2019/01/03</a:t>
+              <a:t>2019/01/09</a:t>
             </a:r>
           </a:p>
         </p:txBody>
@@ -12608,7 +12652,7 @@
           <a:p>
             <a:r>
               <a:rPr lang="en-US" dirty="0"/>
-              <a:t>2019/01/03</a:t>
+              <a:t>2019/01/09</a:t>
             </a:r>
           </a:p>
         </p:txBody>
@@ -13622,7 +13666,7 @@
           <a:p>
             <a:r>
               <a:rPr lang="en-US" dirty="0"/>
-              <a:t>2019/01/03</a:t>
+              <a:t>2019/01/09</a:t>
             </a:r>
           </a:p>
         </p:txBody>
@@ -14780,7 +14824,7 @@
           <a:p>
             <a:r>
               <a:rPr lang="en-US" dirty="0"/>
-              <a:t>2019/01/03</a:t>
+              <a:t>2019/01/09</a:t>
             </a:r>
           </a:p>
         </p:txBody>
@@ -15905,7 +15949,7 @@
           <a:p>
             <a:r>
               <a:rPr lang="en-US" dirty="0"/>
-              <a:t>2019/01/03</a:t>
+              <a:t>2019/01/09</a:t>
             </a:r>
           </a:p>
         </p:txBody>
@@ -17059,7 +17103,7 @@
           <a:p>
             <a:r>
               <a:rPr lang="en-US" dirty="0"/>
-              <a:t>2019/01/03</a:t>
+              <a:t>2019/01/09</a:t>
             </a:r>
           </a:p>
         </p:txBody>
@@ -18115,7 +18159,7 @@
           <a:p>
             <a:r>
               <a:rPr lang="en-US" dirty="0"/>
-              <a:t>2019/01/03</a:t>
+              <a:t>2019/01/09</a:t>
             </a:r>
           </a:p>
         </p:txBody>
@@ -19186,7 +19230,7 @@
           <a:p>
             <a:r>
               <a:rPr lang="en-US" dirty="0"/>
-              <a:t>2019/01/04</a:t>
+              <a:t>2019/01/09</a:t>
             </a:r>
           </a:p>
         </p:txBody>
@@ -19361,37 +19405,22 @@
             <p:ph type="title"/>
           </p:nvPr>
         </p:nvSpPr>
-        <p:spPr/>
+        <p:spPr>
+          <a:xfrm>
+            <a:off x="2930882" y="164678"/>
+            <a:ext cx="8428529" cy="1132235"/>
+          </a:xfrm>
+        </p:spPr>
         <p:txBody>
-          <a:bodyPr/>
+          <a:bodyPr>
+            <a:noAutofit/>
+          </a:bodyPr>
           <a:lstStyle/>
           <a:p>
-            <a:endParaRPr lang="en-US"/>
-          </a:p>
-        </p:txBody>
-      </p:sp>
-      <p:sp>
-        <p:nvSpPr>
-          <p:cNvPr id="3" name="Content Placeholder 2">
-            <a:extLst>
-              <a:ext uri="{FF2B5EF4-FFF2-40B4-BE49-F238E27FC236}">
-                <a16:creationId xmlns:a16="http://schemas.microsoft.com/office/drawing/2014/main" id="{A9D153F7-96F2-4F99-AFC5-B7DA902FF0E7}"/>
-              </a:ext>
-            </a:extLst>
-          </p:cNvPr>
-          <p:cNvSpPr>
-            <a:spLocks noGrp="1"/>
-          </p:cNvSpPr>
-          <p:nvPr>
-            <p:ph idx="1"/>
-          </p:nvPr>
-        </p:nvSpPr>
-        <p:spPr/>
-        <p:txBody>
-          <a:bodyPr/>
-          <a:lstStyle/>
-          <a:p>
-            <a:endParaRPr lang="en-US"/>
+            <a:r>
+              <a:rPr lang="en-US" sz="3200" dirty="0"/>
+              <a:t>First Example – Linear Regression</a:t>
+            </a:r>
           </a:p>
         </p:txBody>
       </p:sp>
@@ -19417,10 +19446,9 @@
           <a:lstStyle/>
           <a:p>
             <a:r>
-              <a:rPr lang="en-US"/>
-              <a:t>2019/01/03</a:t>
-            </a:r>
-            <a:endParaRPr lang="en-US" dirty="0"/>
+              <a:rPr lang="en-US" dirty="0"/>
+              <a:t>2019/01/09</a:t>
+            </a:r>
           </a:p>
         </p:txBody>
       </p:sp>
@@ -19503,7 +19531,1067 @@
           <a:bodyPr/>
           <a:lstStyle/>
           <a:p>
+            <a:r>
+              <a:rPr lang="en-US" dirty="0"/>
+              <a:t>4</a:t>
+            </a:r>
+          </a:p>
+        </p:txBody>
+      </p:sp>
+      <p:pic>
+        <p:nvPicPr>
+          <p:cNvPr id="8" name="Picture 7">
+            <a:extLst>
+              <a:ext uri="{FF2B5EF4-FFF2-40B4-BE49-F238E27FC236}">
+                <a16:creationId xmlns:a16="http://schemas.microsoft.com/office/drawing/2014/main" id="{38E86F0F-B75D-4069-B0F8-51DA28683B43}"/>
+              </a:ext>
+            </a:extLst>
+          </p:cNvPr>
+          <p:cNvPicPr>
+            <a:picLocks noChangeAspect="1"/>
+          </p:cNvPicPr>
+          <p:nvPr/>
+        </p:nvPicPr>
+        <p:blipFill>
+          <a:blip r:embed="rId2"/>
+          <a:stretch>
+            <a:fillRect/>
+          </a:stretch>
+        </p:blipFill>
+        <p:spPr>
+          <a:xfrm>
+            <a:off x="5015880" y="1700808"/>
+            <a:ext cx="6953532" cy="3860279"/>
+          </a:xfrm>
+          <a:prstGeom prst="rect">
+            <a:avLst/>
+          </a:prstGeom>
+        </p:spPr>
+      </p:pic>
+      <p:pic>
+        <p:nvPicPr>
+          <p:cNvPr id="10" name="Picture 9">
+            <a:extLst>
+              <a:ext uri="{FF2B5EF4-FFF2-40B4-BE49-F238E27FC236}">
+                <a16:creationId xmlns:a16="http://schemas.microsoft.com/office/drawing/2014/main" id="{C6C5DAE1-E130-4296-87BF-2C1C5D51258F}"/>
+              </a:ext>
+            </a:extLst>
+          </p:cNvPr>
+          <p:cNvPicPr>
+            <a:picLocks noChangeAspect="1"/>
+          </p:cNvPicPr>
+          <p:nvPr/>
+        </p:nvPicPr>
+        <p:blipFill>
+          <a:blip r:embed="rId3"/>
+          <a:stretch>
+            <a:fillRect/>
+          </a:stretch>
+        </p:blipFill>
+        <p:spPr>
+          <a:xfrm>
+            <a:off x="119336" y="2204864"/>
+            <a:ext cx="4822822" cy="3408437"/>
+          </a:xfrm>
+          <a:prstGeom prst="rect">
+            <a:avLst/>
+          </a:prstGeom>
+        </p:spPr>
+      </p:pic>
+      <p:sp>
+        <p:nvSpPr>
+          <p:cNvPr id="12" name="Rectangle 11">
+            <a:extLst>
+              <a:ext uri="{FF2B5EF4-FFF2-40B4-BE49-F238E27FC236}">
+                <a16:creationId xmlns:a16="http://schemas.microsoft.com/office/drawing/2014/main" id="{8C20175D-80ED-4DBA-A23E-2CC4D25D880C}"/>
+              </a:ext>
+            </a:extLst>
+          </p:cNvPr>
+          <p:cNvSpPr/>
+          <p:nvPr/>
+        </p:nvSpPr>
+        <p:spPr>
+          <a:xfrm>
+            <a:off x="407368" y="2492896"/>
+            <a:ext cx="3096344" cy="216024"/>
+          </a:xfrm>
+          <a:prstGeom prst="rect">
+            <a:avLst/>
+          </a:prstGeom>
+          <a:noFill/>
+          <a:ln w="38100">
+            <a:solidFill>
+              <a:schemeClr val="accent3">
+                <a:lumMod val="60000"/>
+                <a:lumOff val="40000"/>
+              </a:schemeClr>
+            </a:solidFill>
+          </a:ln>
+        </p:spPr>
+        <p:style>
+          <a:lnRef idx="2">
+            <a:schemeClr val="accent1">
+              <a:shade val="50000"/>
+            </a:schemeClr>
+          </a:lnRef>
+          <a:fillRef idx="1">
+            <a:schemeClr val="accent1"/>
+          </a:fillRef>
+          <a:effectRef idx="0">
+            <a:schemeClr val="accent1"/>
+          </a:effectRef>
+          <a:fontRef idx="minor">
+            <a:schemeClr val="lt1"/>
+          </a:fontRef>
+        </p:style>
+        <p:txBody>
+          <a:bodyPr rtlCol="0" anchor="ctr"/>
+          <a:lstStyle/>
+          <a:p>
+            <a:pPr algn="ctr"/>
             <a:endParaRPr lang="en-US"/>
+          </a:p>
+        </p:txBody>
+      </p:sp>
+      <p:sp>
+        <p:nvSpPr>
+          <p:cNvPr id="13" name="Rectangle 12">
+            <a:extLst>
+              <a:ext uri="{FF2B5EF4-FFF2-40B4-BE49-F238E27FC236}">
+                <a16:creationId xmlns:a16="http://schemas.microsoft.com/office/drawing/2014/main" id="{636C863E-CEB5-425B-96AE-F432A19FC245}"/>
+              </a:ext>
+            </a:extLst>
+          </p:cNvPr>
+          <p:cNvSpPr/>
+          <p:nvPr/>
+        </p:nvSpPr>
+        <p:spPr>
+          <a:xfrm>
+            <a:off x="5230190" y="2924944"/>
+            <a:ext cx="4034162" cy="288032"/>
+          </a:xfrm>
+          <a:prstGeom prst="rect">
+            <a:avLst/>
+          </a:prstGeom>
+          <a:noFill/>
+          <a:ln w="38100">
+            <a:solidFill>
+              <a:schemeClr val="accent3">
+                <a:lumMod val="60000"/>
+                <a:lumOff val="40000"/>
+              </a:schemeClr>
+            </a:solidFill>
+          </a:ln>
+        </p:spPr>
+        <p:style>
+          <a:lnRef idx="2">
+            <a:schemeClr val="accent1">
+              <a:shade val="50000"/>
+            </a:schemeClr>
+          </a:lnRef>
+          <a:fillRef idx="1">
+            <a:schemeClr val="accent1"/>
+          </a:fillRef>
+          <a:effectRef idx="0">
+            <a:schemeClr val="accent1"/>
+          </a:effectRef>
+          <a:fontRef idx="minor">
+            <a:schemeClr val="lt1"/>
+          </a:fontRef>
+        </p:style>
+        <p:txBody>
+          <a:bodyPr rtlCol="0" anchor="ctr"/>
+          <a:lstStyle/>
+          <a:p>
+            <a:pPr algn="ctr"/>
+            <a:endParaRPr lang="en-US"/>
+          </a:p>
+        </p:txBody>
+      </p:sp>
+      <p:sp>
+        <p:nvSpPr>
+          <p:cNvPr id="14" name="Rectangle 13">
+            <a:extLst>
+              <a:ext uri="{FF2B5EF4-FFF2-40B4-BE49-F238E27FC236}">
+                <a16:creationId xmlns:a16="http://schemas.microsoft.com/office/drawing/2014/main" id="{2D31AD1F-ECBA-4B01-90B6-4ADB5067C7E2}"/>
+              </a:ext>
+            </a:extLst>
+          </p:cNvPr>
+          <p:cNvSpPr/>
+          <p:nvPr/>
+        </p:nvSpPr>
+        <p:spPr>
+          <a:xfrm>
+            <a:off x="478518" y="2780928"/>
+            <a:ext cx="4321337" cy="216024"/>
+          </a:xfrm>
+          <a:prstGeom prst="rect">
+            <a:avLst/>
+          </a:prstGeom>
+          <a:noFill/>
+          <a:ln w="38100">
+            <a:solidFill>
+              <a:schemeClr val="accent5">
+                <a:lumMod val="60000"/>
+                <a:lumOff val="40000"/>
+              </a:schemeClr>
+            </a:solidFill>
+          </a:ln>
+        </p:spPr>
+        <p:style>
+          <a:lnRef idx="2">
+            <a:schemeClr val="accent1">
+              <a:shade val="50000"/>
+            </a:schemeClr>
+          </a:lnRef>
+          <a:fillRef idx="1">
+            <a:schemeClr val="accent1"/>
+          </a:fillRef>
+          <a:effectRef idx="0">
+            <a:schemeClr val="accent1"/>
+          </a:effectRef>
+          <a:fontRef idx="minor">
+            <a:schemeClr val="lt1"/>
+          </a:fontRef>
+        </p:style>
+        <p:txBody>
+          <a:bodyPr rtlCol="0" anchor="ctr"/>
+          <a:lstStyle/>
+          <a:p>
+            <a:pPr algn="ctr"/>
+            <a:endParaRPr lang="en-US"/>
+          </a:p>
+        </p:txBody>
+      </p:sp>
+      <p:sp>
+        <p:nvSpPr>
+          <p:cNvPr id="15" name="Rectangle 14">
+            <a:extLst>
+              <a:ext uri="{FF2B5EF4-FFF2-40B4-BE49-F238E27FC236}">
+                <a16:creationId xmlns:a16="http://schemas.microsoft.com/office/drawing/2014/main" id="{D1FD1D3E-F941-4549-8342-7EFC36C98EC6}"/>
+              </a:ext>
+            </a:extLst>
+          </p:cNvPr>
+          <p:cNvSpPr/>
+          <p:nvPr/>
+        </p:nvSpPr>
+        <p:spPr>
+          <a:xfrm>
+            <a:off x="5231904" y="3394583"/>
+            <a:ext cx="5256584" cy="216024"/>
+          </a:xfrm>
+          <a:prstGeom prst="rect">
+            <a:avLst/>
+          </a:prstGeom>
+          <a:noFill/>
+          <a:ln w="38100">
+            <a:solidFill>
+              <a:schemeClr val="accent5">
+                <a:lumMod val="60000"/>
+                <a:lumOff val="40000"/>
+              </a:schemeClr>
+            </a:solidFill>
+          </a:ln>
+        </p:spPr>
+        <p:style>
+          <a:lnRef idx="2">
+            <a:schemeClr val="accent1">
+              <a:shade val="50000"/>
+            </a:schemeClr>
+          </a:lnRef>
+          <a:fillRef idx="1">
+            <a:schemeClr val="accent1"/>
+          </a:fillRef>
+          <a:effectRef idx="0">
+            <a:schemeClr val="accent1"/>
+          </a:effectRef>
+          <a:fontRef idx="minor">
+            <a:schemeClr val="lt1"/>
+          </a:fontRef>
+        </p:style>
+        <p:txBody>
+          <a:bodyPr rtlCol="0" anchor="ctr"/>
+          <a:lstStyle/>
+          <a:p>
+            <a:pPr algn="ctr"/>
+            <a:endParaRPr lang="en-US"/>
+          </a:p>
+        </p:txBody>
+      </p:sp>
+      <p:sp>
+        <p:nvSpPr>
+          <p:cNvPr id="16" name="Rectangle 15">
+            <a:extLst>
+              <a:ext uri="{FF2B5EF4-FFF2-40B4-BE49-F238E27FC236}">
+                <a16:creationId xmlns:a16="http://schemas.microsoft.com/office/drawing/2014/main" id="{EDB2335D-5760-4AFB-A6C5-FC3E2172CC88}"/>
+              </a:ext>
+            </a:extLst>
+          </p:cNvPr>
+          <p:cNvSpPr/>
+          <p:nvPr/>
+        </p:nvSpPr>
+        <p:spPr>
+          <a:xfrm>
+            <a:off x="5231904" y="3596531"/>
+            <a:ext cx="5256584" cy="216024"/>
+          </a:xfrm>
+          <a:prstGeom prst="rect">
+            <a:avLst/>
+          </a:prstGeom>
+          <a:noFill/>
+          <a:ln w="38100">
+            <a:solidFill>
+              <a:schemeClr val="accent6">
+                <a:lumMod val="60000"/>
+                <a:lumOff val="40000"/>
+              </a:schemeClr>
+            </a:solidFill>
+          </a:ln>
+        </p:spPr>
+        <p:style>
+          <a:lnRef idx="2">
+            <a:schemeClr val="accent1">
+              <a:shade val="50000"/>
+            </a:schemeClr>
+          </a:lnRef>
+          <a:fillRef idx="1">
+            <a:schemeClr val="accent1"/>
+          </a:fillRef>
+          <a:effectRef idx="0">
+            <a:schemeClr val="accent1"/>
+          </a:effectRef>
+          <a:fontRef idx="minor">
+            <a:schemeClr val="lt1"/>
+          </a:fontRef>
+        </p:style>
+        <p:txBody>
+          <a:bodyPr rtlCol="0" anchor="ctr"/>
+          <a:lstStyle/>
+          <a:p>
+            <a:pPr algn="ctr"/>
+            <a:endParaRPr lang="en-US"/>
+          </a:p>
+        </p:txBody>
+      </p:sp>
+      <p:sp>
+        <p:nvSpPr>
+          <p:cNvPr id="17" name="Rectangle 16">
+            <a:extLst>
+              <a:ext uri="{FF2B5EF4-FFF2-40B4-BE49-F238E27FC236}">
+                <a16:creationId xmlns:a16="http://schemas.microsoft.com/office/drawing/2014/main" id="{3285C754-512B-46C4-9002-4A452A0D5CCB}"/>
+              </a:ext>
+            </a:extLst>
+          </p:cNvPr>
+          <p:cNvSpPr/>
+          <p:nvPr/>
+        </p:nvSpPr>
+        <p:spPr>
+          <a:xfrm>
+            <a:off x="478518" y="3008983"/>
+            <a:ext cx="3961298" cy="226962"/>
+          </a:xfrm>
+          <a:prstGeom prst="rect">
+            <a:avLst/>
+          </a:prstGeom>
+          <a:noFill/>
+          <a:ln w="38100">
+            <a:solidFill>
+              <a:schemeClr val="accent6">
+                <a:lumMod val="60000"/>
+                <a:lumOff val="40000"/>
+              </a:schemeClr>
+            </a:solidFill>
+          </a:ln>
+        </p:spPr>
+        <p:style>
+          <a:lnRef idx="2">
+            <a:schemeClr val="accent1">
+              <a:shade val="50000"/>
+            </a:schemeClr>
+          </a:lnRef>
+          <a:fillRef idx="1">
+            <a:schemeClr val="accent1"/>
+          </a:fillRef>
+          <a:effectRef idx="0">
+            <a:schemeClr val="accent1"/>
+          </a:effectRef>
+          <a:fontRef idx="minor">
+            <a:schemeClr val="lt1"/>
+          </a:fontRef>
+        </p:style>
+        <p:txBody>
+          <a:bodyPr rtlCol="0" anchor="ctr"/>
+          <a:lstStyle/>
+          <a:p>
+            <a:pPr algn="ctr"/>
+            <a:endParaRPr lang="en-US"/>
+          </a:p>
+        </p:txBody>
+      </p:sp>
+      <p:sp>
+        <p:nvSpPr>
+          <p:cNvPr id="18" name="Rectangle 17">
+            <a:extLst>
+              <a:ext uri="{FF2B5EF4-FFF2-40B4-BE49-F238E27FC236}">
+                <a16:creationId xmlns:a16="http://schemas.microsoft.com/office/drawing/2014/main" id="{B91DDE0F-E663-41B0-8F7B-703FF0F8AFDC}"/>
+              </a:ext>
+            </a:extLst>
+          </p:cNvPr>
+          <p:cNvSpPr/>
+          <p:nvPr/>
+        </p:nvSpPr>
+        <p:spPr>
+          <a:xfrm>
+            <a:off x="5241232" y="3784967"/>
+            <a:ext cx="3087016" cy="257688"/>
+          </a:xfrm>
+          <a:prstGeom prst="rect">
+            <a:avLst/>
+          </a:prstGeom>
+          <a:noFill/>
+          <a:ln w="38100">
+            <a:solidFill>
+              <a:schemeClr val="accent3">
+                <a:lumMod val="75000"/>
+              </a:schemeClr>
+            </a:solidFill>
+          </a:ln>
+        </p:spPr>
+        <p:style>
+          <a:lnRef idx="2">
+            <a:schemeClr val="accent1">
+              <a:shade val="50000"/>
+            </a:schemeClr>
+          </a:lnRef>
+          <a:fillRef idx="1">
+            <a:schemeClr val="accent1"/>
+          </a:fillRef>
+          <a:effectRef idx="0">
+            <a:schemeClr val="accent1"/>
+          </a:effectRef>
+          <a:fontRef idx="minor">
+            <a:schemeClr val="lt1"/>
+          </a:fontRef>
+        </p:style>
+        <p:txBody>
+          <a:bodyPr rtlCol="0" anchor="ctr"/>
+          <a:lstStyle/>
+          <a:p>
+            <a:pPr algn="ctr"/>
+            <a:endParaRPr lang="en-US"/>
+          </a:p>
+        </p:txBody>
+      </p:sp>
+      <p:sp>
+        <p:nvSpPr>
+          <p:cNvPr id="19" name="Rectangle 18">
+            <a:extLst>
+              <a:ext uri="{FF2B5EF4-FFF2-40B4-BE49-F238E27FC236}">
+                <a16:creationId xmlns:a16="http://schemas.microsoft.com/office/drawing/2014/main" id="{4B9B2ED8-173C-4B59-ADB3-236D1E1E6F02}"/>
+              </a:ext>
+            </a:extLst>
+          </p:cNvPr>
+          <p:cNvSpPr/>
+          <p:nvPr/>
+        </p:nvSpPr>
+        <p:spPr>
+          <a:xfrm>
+            <a:off x="453006" y="3238769"/>
+            <a:ext cx="3087016" cy="257688"/>
+          </a:xfrm>
+          <a:prstGeom prst="rect">
+            <a:avLst/>
+          </a:prstGeom>
+          <a:noFill/>
+          <a:ln w="38100">
+            <a:solidFill>
+              <a:schemeClr val="accent3">
+                <a:lumMod val="75000"/>
+              </a:schemeClr>
+            </a:solidFill>
+          </a:ln>
+        </p:spPr>
+        <p:style>
+          <a:lnRef idx="2">
+            <a:schemeClr val="accent1">
+              <a:shade val="50000"/>
+            </a:schemeClr>
+          </a:lnRef>
+          <a:fillRef idx="1">
+            <a:schemeClr val="accent1"/>
+          </a:fillRef>
+          <a:effectRef idx="0">
+            <a:schemeClr val="accent1"/>
+          </a:effectRef>
+          <a:fontRef idx="minor">
+            <a:schemeClr val="lt1"/>
+          </a:fontRef>
+        </p:style>
+        <p:txBody>
+          <a:bodyPr rtlCol="0" anchor="ctr"/>
+          <a:lstStyle/>
+          <a:p>
+            <a:pPr algn="ctr"/>
+            <a:endParaRPr lang="en-US"/>
+          </a:p>
+        </p:txBody>
+      </p:sp>
+      <p:sp>
+        <p:nvSpPr>
+          <p:cNvPr id="20" name="Rectangle 19">
+            <a:extLst>
+              <a:ext uri="{FF2B5EF4-FFF2-40B4-BE49-F238E27FC236}">
+                <a16:creationId xmlns:a16="http://schemas.microsoft.com/office/drawing/2014/main" id="{24039FDD-B80C-46B1-8BE4-9D7FBE43D8C8}"/>
+              </a:ext>
+            </a:extLst>
+          </p:cNvPr>
+          <p:cNvSpPr/>
+          <p:nvPr/>
+        </p:nvSpPr>
+        <p:spPr>
+          <a:xfrm>
+            <a:off x="478518" y="3523977"/>
+            <a:ext cx="3385234" cy="257688"/>
+          </a:xfrm>
+          <a:prstGeom prst="rect">
+            <a:avLst/>
+          </a:prstGeom>
+          <a:noFill/>
+          <a:ln w="38100">
+            <a:solidFill>
+              <a:schemeClr val="accent4">
+                <a:lumMod val="75000"/>
+              </a:schemeClr>
+            </a:solidFill>
+          </a:ln>
+        </p:spPr>
+        <p:style>
+          <a:lnRef idx="2">
+            <a:schemeClr val="accent1">
+              <a:shade val="50000"/>
+            </a:schemeClr>
+          </a:lnRef>
+          <a:fillRef idx="1">
+            <a:schemeClr val="accent1"/>
+          </a:fillRef>
+          <a:effectRef idx="0">
+            <a:schemeClr val="accent1"/>
+          </a:effectRef>
+          <a:fontRef idx="minor">
+            <a:schemeClr val="lt1"/>
+          </a:fontRef>
+        </p:style>
+        <p:txBody>
+          <a:bodyPr rtlCol="0" anchor="ctr"/>
+          <a:lstStyle/>
+          <a:p>
+            <a:pPr algn="ctr"/>
+            <a:endParaRPr lang="en-US"/>
+          </a:p>
+        </p:txBody>
+      </p:sp>
+      <p:sp>
+        <p:nvSpPr>
+          <p:cNvPr id="21" name="Rectangle 20">
+            <a:extLst>
+              <a:ext uri="{FF2B5EF4-FFF2-40B4-BE49-F238E27FC236}">
+                <a16:creationId xmlns:a16="http://schemas.microsoft.com/office/drawing/2014/main" id="{64D18FA9-3BC8-49B1-8261-6D43ADCAA291}"/>
+              </a:ext>
+            </a:extLst>
+          </p:cNvPr>
+          <p:cNvSpPr/>
+          <p:nvPr/>
+        </p:nvSpPr>
+        <p:spPr>
+          <a:xfrm>
+            <a:off x="5225366" y="3996262"/>
+            <a:ext cx="3385234" cy="257688"/>
+          </a:xfrm>
+          <a:prstGeom prst="rect">
+            <a:avLst/>
+          </a:prstGeom>
+          <a:noFill/>
+          <a:ln w="38100">
+            <a:solidFill>
+              <a:schemeClr val="accent4">
+                <a:lumMod val="75000"/>
+              </a:schemeClr>
+            </a:solidFill>
+          </a:ln>
+        </p:spPr>
+        <p:style>
+          <a:lnRef idx="2">
+            <a:schemeClr val="accent1">
+              <a:shade val="50000"/>
+            </a:schemeClr>
+          </a:lnRef>
+          <a:fillRef idx="1">
+            <a:schemeClr val="accent1"/>
+          </a:fillRef>
+          <a:effectRef idx="0">
+            <a:schemeClr val="accent1"/>
+          </a:effectRef>
+          <a:fontRef idx="minor">
+            <a:schemeClr val="lt1"/>
+          </a:fontRef>
+        </p:style>
+        <p:txBody>
+          <a:bodyPr rtlCol="0" anchor="ctr"/>
+          <a:lstStyle/>
+          <a:p>
+            <a:pPr algn="ctr"/>
+            <a:endParaRPr lang="en-US"/>
+          </a:p>
+        </p:txBody>
+      </p:sp>
+      <p:sp>
+        <p:nvSpPr>
+          <p:cNvPr id="22" name="Rectangle 21">
+            <a:extLst>
+              <a:ext uri="{FF2B5EF4-FFF2-40B4-BE49-F238E27FC236}">
+                <a16:creationId xmlns:a16="http://schemas.microsoft.com/office/drawing/2014/main" id="{A79E0E31-AA06-4E67-B2E3-1F4A87661BB0}"/>
+              </a:ext>
+            </a:extLst>
+          </p:cNvPr>
+          <p:cNvSpPr/>
+          <p:nvPr/>
+        </p:nvSpPr>
+        <p:spPr>
+          <a:xfrm>
+            <a:off x="503512" y="3794974"/>
+            <a:ext cx="3936304" cy="257688"/>
+          </a:xfrm>
+          <a:prstGeom prst="rect">
+            <a:avLst/>
+          </a:prstGeom>
+          <a:noFill/>
+          <a:ln w="38100">
+            <a:solidFill>
+              <a:schemeClr val="accent6">
+                <a:lumMod val="75000"/>
+              </a:schemeClr>
+            </a:solidFill>
+          </a:ln>
+        </p:spPr>
+        <p:style>
+          <a:lnRef idx="2">
+            <a:schemeClr val="accent1">
+              <a:shade val="50000"/>
+            </a:schemeClr>
+          </a:lnRef>
+          <a:fillRef idx="1">
+            <a:schemeClr val="accent1"/>
+          </a:fillRef>
+          <a:effectRef idx="0">
+            <a:schemeClr val="accent1"/>
+          </a:effectRef>
+          <a:fontRef idx="minor">
+            <a:schemeClr val="lt1"/>
+          </a:fontRef>
+        </p:style>
+        <p:txBody>
+          <a:bodyPr rtlCol="0" anchor="ctr"/>
+          <a:lstStyle/>
+          <a:p>
+            <a:pPr algn="ctr"/>
+            <a:endParaRPr lang="en-US"/>
+          </a:p>
+        </p:txBody>
+      </p:sp>
+      <p:sp>
+        <p:nvSpPr>
+          <p:cNvPr id="23" name="Rectangle 22">
+            <a:extLst>
+              <a:ext uri="{FF2B5EF4-FFF2-40B4-BE49-F238E27FC236}">
+                <a16:creationId xmlns:a16="http://schemas.microsoft.com/office/drawing/2014/main" id="{1D5A576A-1EDF-4761-8E92-206E9094A42D}"/>
+              </a:ext>
+            </a:extLst>
+          </p:cNvPr>
+          <p:cNvSpPr/>
+          <p:nvPr/>
+        </p:nvSpPr>
+        <p:spPr>
+          <a:xfrm>
+            <a:off x="5225366" y="4428310"/>
+            <a:ext cx="5983202" cy="211295"/>
+          </a:xfrm>
+          <a:prstGeom prst="rect">
+            <a:avLst/>
+          </a:prstGeom>
+          <a:noFill/>
+          <a:ln w="38100">
+            <a:solidFill>
+              <a:schemeClr val="accent6">
+                <a:lumMod val="75000"/>
+              </a:schemeClr>
+            </a:solidFill>
+          </a:ln>
+        </p:spPr>
+        <p:style>
+          <a:lnRef idx="2">
+            <a:schemeClr val="accent1">
+              <a:shade val="50000"/>
+            </a:schemeClr>
+          </a:lnRef>
+          <a:fillRef idx="1">
+            <a:schemeClr val="accent1"/>
+          </a:fillRef>
+          <a:effectRef idx="0">
+            <a:schemeClr val="accent1"/>
+          </a:effectRef>
+          <a:fontRef idx="minor">
+            <a:schemeClr val="lt1"/>
+          </a:fontRef>
+        </p:style>
+        <p:txBody>
+          <a:bodyPr rtlCol="0" anchor="ctr"/>
+          <a:lstStyle/>
+          <a:p>
+            <a:pPr algn="ctr"/>
+            <a:endParaRPr lang="en-US"/>
+          </a:p>
+        </p:txBody>
+      </p:sp>
+      <p:sp>
+        <p:nvSpPr>
+          <p:cNvPr id="24" name="Rectangle 23">
+            <a:extLst>
+              <a:ext uri="{FF2B5EF4-FFF2-40B4-BE49-F238E27FC236}">
+                <a16:creationId xmlns:a16="http://schemas.microsoft.com/office/drawing/2014/main" id="{C26DC027-5D76-4F4C-BB14-04A666F7C8A1}"/>
+              </a:ext>
+            </a:extLst>
+          </p:cNvPr>
+          <p:cNvSpPr/>
+          <p:nvPr/>
+        </p:nvSpPr>
+        <p:spPr>
+          <a:xfrm>
+            <a:off x="5241232" y="4630258"/>
+            <a:ext cx="6543400" cy="671495"/>
+          </a:xfrm>
+          <a:prstGeom prst="rect">
+            <a:avLst/>
+          </a:prstGeom>
+          <a:noFill/>
+          <a:ln w="38100">
+            <a:solidFill>
+              <a:srgbClr val="92D050"/>
+            </a:solidFill>
+          </a:ln>
+        </p:spPr>
+        <p:style>
+          <a:lnRef idx="2">
+            <a:schemeClr val="accent1">
+              <a:shade val="50000"/>
+            </a:schemeClr>
+          </a:lnRef>
+          <a:fillRef idx="1">
+            <a:schemeClr val="accent1"/>
+          </a:fillRef>
+          <a:effectRef idx="0">
+            <a:schemeClr val="accent1"/>
+          </a:effectRef>
+          <a:fontRef idx="minor">
+            <a:schemeClr val="lt1"/>
+          </a:fontRef>
+        </p:style>
+        <p:txBody>
+          <a:bodyPr rtlCol="0" anchor="ctr"/>
+          <a:lstStyle/>
+          <a:p>
+            <a:pPr algn="ctr"/>
+            <a:endParaRPr lang="en-US"/>
+          </a:p>
+        </p:txBody>
+      </p:sp>
+      <p:sp>
+        <p:nvSpPr>
+          <p:cNvPr id="25" name="Rectangle 24">
+            <a:extLst>
+              <a:ext uri="{FF2B5EF4-FFF2-40B4-BE49-F238E27FC236}">
+                <a16:creationId xmlns:a16="http://schemas.microsoft.com/office/drawing/2014/main" id="{8305A87F-121C-430B-BD37-E02705067EE0}"/>
+              </a:ext>
+            </a:extLst>
+          </p:cNvPr>
+          <p:cNvSpPr/>
+          <p:nvPr/>
+        </p:nvSpPr>
+        <p:spPr>
+          <a:xfrm>
+            <a:off x="478518" y="4037926"/>
+            <a:ext cx="4393346" cy="1307137"/>
+          </a:xfrm>
+          <a:prstGeom prst="rect">
+            <a:avLst/>
+          </a:prstGeom>
+          <a:noFill/>
+          <a:ln w="38100">
+            <a:solidFill>
+              <a:srgbClr val="92D050"/>
+            </a:solidFill>
+          </a:ln>
+        </p:spPr>
+        <p:style>
+          <a:lnRef idx="2">
+            <a:schemeClr val="accent1">
+              <a:shade val="50000"/>
+            </a:schemeClr>
+          </a:lnRef>
+          <a:fillRef idx="1">
+            <a:schemeClr val="accent1"/>
+          </a:fillRef>
+          <a:effectRef idx="0">
+            <a:schemeClr val="accent1"/>
+          </a:effectRef>
+          <a:fontRef idx="minor">
+            <a:schemeClr val="lt1"/>
+          </a:fontRef>
+        </p:style>
+        <p:txBody>
+          <a:bodyPr rtlCol="0" anchor="ctr"/>
+          <a:lstStyle/>
+          <a:p>
+            <a:pPr algn="ctr"/>
+            <a:endParaRPr lang="en-US"/>
+          </a:p>
+        </p:txBody>
+      </p:sp>
+      <p:sp>
+        <p:nvSpPr>
+          <p:cNvPr id="26" name="TextBox 25">
+            <a:extLst>
+              <a:ext uri="{FF2B5EF4-FFF2-40B4-BE49-F238E27FC236}">
+                <a16:creationId xmlns:a16="http://schemas.microsoft.com/office/drawing/2014/main" id="{D2E12BB7-93BB-43C8-AD42-332E9E5E2F6A}"/>
+              </a:ext>
+            </a:extLst>
+          </p:cNvPr>
+          <p:cNvSpPr txBox="1"/>
+          <p:nvPr/>
+        </p:nvSpPr>
+        <p:spPr>
+          <a:xfrm>
+            <a:off x="3897048" y="1866623"/>
+            <a:ext cx="1118832" cy="369332"/>
+          </a:xfrm>
+          <a:prstGeom prst="rect">
+            <a:avLst/>
+          </a:prstGeom>
+          <a:noFill/>
+        </p:spPr>
+        <p:txBody>
+          <a:bodyPr wrap="none" rtlCol="0">
+            <a:spAutoFit/>
+          </a:bodyPr>
+          <a:lstStyle/>
+          <a:p>
+            <a:r>
+              <a:rPr lang="en-US" dirty="0">
+                <a:solidFill>
+                  <a:srgbClr val="00B050"/>
+                </a:solidFill>
+              </a:rPr>
+              <a:t>Attributes</a:t>
+            </a:r>
+          </a:p>
+        </p:txBody>
+      </p:sp>
+      <p:sp>
+        <p:nvSpPr>
+          <p:cNvPr id="27" name="Rectangle 26">
+            <a:extLst>
+              <a:ext uri="{FF2B5EF4-FFF2-40B4-BE49-F238E27FC236}">
+                <a16:creationId xmlns:a16="http://schemas.microsoft.com/office/drawing/2014/main" id="{797E860F-C918-496D-B564-C22B4D04B636}"/>
+              </a:ext>
+            </a:extLst>
+          </p:cNvPr>
+          <p:cNvSpPr/>
+          <p:nvPr/>
+        </p:nvSpPr>
+        <p:spPr>
+          <a:xfrm>
+            <a:off x="5015880" y="1918209"/>
+            <a:ext cx="3816424" cy="223450"/>
+          </a:xfrm>
+          <a:prstGeom prst="rect">
+            <a:avLst/>
+          </a:prstGeom>
+          <a:noFill/>
+          <a:ln w="38100">
+            <a:solidFill>
+              <a:srgbClr val="00B050"/>
+            </a:solidFill>
+          </a:ln>
+        </p:spPr>
+        <p:style>
+          <a:lnRef idx="2">
+            <a:schemeClr val="accent1">
+              <a:shade val="50000"/>
+            </a:schemeClr>
+          </a:lnRef>
+          <a:fillRef idx="1">
+            <a:schemeClr val="accent1"/>
+          </a:fillRef>
+          <a:effectRef idx="0">
+            <a:schemeClr val="accent1"/>
+          </a:effectRef>
+          <a:fontRef idx="minor">
+            <a:schemeClr val="lt1"/>
+          </a:fontRef>
+        </p:style>
+        <p:txBody>
+          <a:bodyPr rtlCol="0" anchor="ctr"/>
+          <a:lstStyle/>
+          <a:p>
+            <a:pPr algn="ctr"/>
+            <a:endParaRPr lang="en-US"/>
+          </a:p>
+        </p:txBody>
+      </p:sp>
+      <p:sp>
+        <p:nvSpPr>
+          <p:cNvPr id="28" name="Rectangle 27">
+            <a:extLst>
+              <a:ext uri="{FF2B5EF4-FFF2-40B4-BE49-F238E27FC236}">
+                <a16:creationId xmlns:a16="http://schemas.microsoft.com/office/drawing/2014/main" id="{C0DF176D-274D-42B0-8308-4BE94F4FC802}"/>
+              </a:ext>
+            </a:extLst>
+          </p:cNvPr>
+          <p:cNvSpPr/>
+          <p:nvPr/>
+        </p:nvSpPr>
+        <p:spPr>
+          <a:xfrm>
+            <a:off x="5015880" y="1663045"/>
+            <a:ext cx="5040560" cy="288032"/>
+          </a:xfrm>
+          <a:prstGeom prst="rect">
+            <a:avLst/>
+          </a:prstGeom>
+          <a:noFill/>
+          <a:ln w="38100">
+            <a:solidFill>
+              <a:srgbClr val="0070C0"/>
+            </a:solidFill>
+          </a:ln>
+        </p:spPr>
+        <p:style>
+          <a:lnRef idx="2">
+            <a:schemeClr val="accent1">
+              <a:shade val="50000"/>
+            </a:schemeClr>
+          </a:lnRef>
+          <a:fillRef idx="1">
+            <a:schemeClr val="accent1"/>
+          </a:fillRef>
+          <a:effectRef idx="0">
+            <a:schemeClr val="accent1"/>
+          </a:effectRef>
+          <a:fontRef idx="minor">
+            <a:schemeClr val="lt1"/>
+          </a:fontRef>
+        </p:style>
+        <p:txBody>
+          <a:bodyPr rtlCol="0" anchor="ctr"/>
+          <a:lstStyle/>
+          <a:p>
+            <a:pPr algn="ctr"/>
+            <a:endParaRPr lang="en-US"/>
+          </a:p>
+        </p:txBody>
+      </p:sp>
+      <p:sp>
+        <p:nvSpPr>
+          <p:cNvPr id="29" name="TextBox 28">
+            <a:extLst>
+              <a:ext uri="{FF2B5EF4-FFF2-40B4-BE49-F238E27FC236}">
+                <a16:creationId xmlns:a16="http://schemas.microsoft.com/office/drawing/2014/main" id="{F2E72001-F6B0-4935-80C1-444028315D59}"/>
+              </a:ext>
+            </a:extLst>
+          </p:cNvPr>
+          <p:cNvSpPr txBox="1"/>
+          <p:nvPr/>
+        </p:nvSpPr>
+        <p:spPr>
+          <a:xfrm>
+            <a:off x="5087888" y="1314194"/>
+            <a:ext cx="5982407" cy="369332"/>
+          </a:xfrm>
+          <a:prstGeom prst="rect">
+            <a:avLst/>
+          </a:prstGeom>
+          <a:noFill/>
+        </p:spPr>
+        <p:txBody>
+          <a:bodyPr wrap="none" rtlCol="0">
+            <a:spAutoFit/>
+          </a:bodyPr>
+          <a:lstStyle/>
+          <a:p>
+            <a:r>
+              <a:rPr lang="en-US" dirty="0">
+                <a:solidFill>
+                  <a:srgbClr val="0070C0"/>
+                </a:solidFill>
+              </a:rPr>
+              <a:t>Make </a:t>
+            </a:r>
+            <a:r>
+              <a:rPr lang="en-US" dirty="0" err="1">
+                <a:solidFill>
+                  <a:srgbClr val="0070C0"/>
+                </a:solidFill>
+              </a:rPr>
+              <a:t>Aramdillo</a:t>
+            </a:r>
+            <a:r>
+              <a:rPr lang="en-US" dirty="0">
+                <a:solidFill>
+                  <a:srgbClr val="0070C0"/>
+                </a:solidFill>
+              </a:rPr>
+              <a:t> vectors returning to R is vector instead matrix</a:t>
+            </a:r>
+          </a:p>
+        </p:txBody>
+      </p:sp>
+      <p:sp>
+        <p:nvSpPr>
+          <p:cNvPr id="30" name="TextBox 29">
+            <a:extLst>
+              <a:ext uri="{FF2B5EF4-FFF2-40B4-BE49-F238E27FC236}">
+                <a16:creationId xmlns:a16="http://schemas.microsoft.com/office/drawing/2014/main" id="{510501EC-BE29-4C9B-AAB3-30D4B6E6A0B0}"/>
+              </a:ext>
+            </a:extLst>
+          </p:cNvPr>
+          <p:cNvSpPr txBox="1"/>
+          <p:nvPr/>
+        </p:nvSpPr>
+        <p:spPr>
+          <a:xfrm>
+            <a:off x="2999656" y="5702226"/>
+            <a:ext cx="5771003" cy="646331"/>
+          </a:xfrm>
+          <a:prstGeom prst="rect">
+            <a:avLst/>
+          </a:prstGeom>
+          <a:noFill/>
+        </p:spPr>
+        <p:txBody>
+          <a:bodyPr wrap="none" rtlCol="0">
+            <a:spAutoFit/>
+          </a:bodyPr>
+          <a:lstStyle/>
+          <a:p>
+            <a:r>
+              <a:rPr lang="en-US" dirty="0"/>
+              <a:t>We can compare this two syntax, </a:t>
+            </a:r>
+          </a:p>
+          <a:p>
+            <a:r>
+              <a:rPr lang="en-US" dirty="0"/>
+              <a:t>they are very similar except that C++ need type declaration.</a:t>
+            </a:r>
           </a:p>
         </p:txBody>
       </p:sp>
@@ -19539,10 +20627,10 @@
       </p:grpSpPr>
       <p:sp>
         <p:nvSpPr>
-          <p:cNvPr id="8" name="Title 7">
-            <a:extLst>
-              <a:ext uri="{FF2B5EF4-FFF2-40B4-BE49-F238E27FC236}">
-                <a16:creationId xmlns:a16="http://schemas.microsoft.com/office/drawing/2014/main" id="{38C74A53-1F29-42A8-941A-26829DA9A57C}"/>
+          <p:cNvPr id="2" name="Title 1">
+            <a:extLst>
+              <a:ext uri="{FF2B5EF4-FFF2-40B4-BE49-F238E27FC236}">
+                <a16:creationId xmlns:a16="http://schemas.microsoft.com/office/drawing/2014/main" id="{95A9D386-DF81-46ED-95E4-A28B6738CA5C}"/>
               </a:ext>
             </a:extLst>
           </p:cNvPr>
@@ -19553,33 +20641,24 @@
             <p:ph type="title"/>
           </p:nvPr>
         </p:nvSpPr>
-        <p:spPr>
-          <a:xfrm>
-            <a:off x="831850" y="1709738"/>
-            <a:ext cx="6416278" cy="2852737"/>
-          </a:xfrm>
-        </p:spPr>
+        <p:spPr/>
         <p:txBody>
           <a:bodyPr/>
           <a:lstStyle/>
           <a:p>
             <a:r>
-              <a:rPr lang="en-US" sz="7200" dirty="0" err="1"/>
-              <a:t>ParallELism</a:t>
-            </a:r>
-            <a:r>
-              <a:rPr lang="en-US" sz="7200" dirty="0"/>
-              <a:t> in Rcpp</a:t>
+              <a:rPr lang="en-US" dirty="0"/>
+              <a:t>Preprocessors</a:t>
             </a:r>
           </a:p>
         </p:txBody>
       </p:sp>
       <p:sp>
         <p:nvSpPr>
-          <p:cNvPr id="9" name="Text Placeholder 8">
-            <a:extLst>
-              <a:ext uri="{FF2B5EF4-FFF2-40B4-BE49-F238E27FC236}">
-                <a16:creationId xmlns:a16="http://schemas.microsoft.com/office/drawing/2014/main" id="{332E2DC9-8E0C-4EEA-BE23-F4B7D43C4767}"/>
+          <p:cNvPr id="3" name="Content Placeholder 2">
+            <a:extLst>
+              <a:ext uri="{FF2B5EF4-FFF2-40B4-BE49-F238E27FC236}">
+                <a16:creationId xmlns:a16="http://schemas.microsoft.com/office/drawing/2014/main" id="{BEC05C2F-F7E1-43DB-A64B-054E236E2A9A}"/>
               </a:ext>
             </a:extLst>
           </p:cNvPr>
@@ -19587,25 +20666,97 @@
             <a:spLocks noGrp="1"/>
           </p:cNvSpPr>
           <p:nvPr>
-            <p:ph type="body" idx="1"/>
+            <p:ph idx="1"/>
           </p:nvPr>
         </p:nvSpPr>
         <p:spPr/>
         <p:txBody>
-          <a:bodyPr/>
+          <a:bodyPr>
+            <a:normAutofit/>
+          </a:bodyPr>
           <a:lstStyle/>
           <a:p>
             <a:r>
-              <a:rPr lang="en-US" dirty="0">
-                <a:solidFill>
-                  <a:schemeClr val="tx2">
-                    <a:lumMod val="60000"/>
-                    <a:lumOff val="40000"/>
-                  </a:schemeClr>
-                </a:solidFill>
-              </a:rPr>
-              <a:t>OpenMP and RcppParallel</a:t>
-            </a:r>
+              <a:rPr lang="en-US" sz="2800" dirty="0" err="1"/>
+              <a:t>RcppArmadillo</a:t>
+            </a:r>
+            <a:r>
+              <a:rPr lang="en-US" sz="2800" dirty="0"/>
+              <a:t> provides 3 preprocessors for casting </a:t>
+            </a:r>
+            <a:r>
+              <a:rPr lang="en-US" sz="2800" dirty="0" err="1"/>
+              <a:t>arma</a:t>
+            </a:r>
+            <a:r>
+              <a:rPr lang="en-US" sz="2800" dirty="0"/>
+              <a:t>::Col &lt;Type&gt; or </a:t>
+            </a:r>
+            <a:r>
+              <a:rPr lang="en-US" sz="2800" dirty="0" err="1"/>
+              <a:t>arma</a:t>
+            </a:r>
+            <a:r>
+              <a:rPr lang="en-US" sz="2800" dirty="0"/>
+              <a:t>::Row&lt;Type&gt; into R vector</a:t>
+            </a:r>
+          </a:p>
+          <a:p>
+            <a:pPr lvl="1"/>
+            <a:r>
+              <a:rPr lang="en-US" sz="2400" dirty="0"/>
+              <a:t>RCPP_ARMADILLO_RETURN_COLVEC_AS_VECTOR – cast </a:t>
+            </a:r>
+            <a:r>
+              <a:rPr lang="en-US" sz="2400" dirty="0" err="1"/>
+              <a:t>arma</a:t>
+            </a:r>
+            <a:r>
+              <a:rPr lang="en-US" sz="2400" dirty="0"/>
+              <a:t>::Col&lt;Type&gt; to R vector</a:t>
+            </a:r>
+          </a:p>
+          <a:p>
+            <a:pPr lvl="1"/>
+            <a:r>
+              <a:rPr lang="en-US" sz="2400" dirty="0"/>
+              <a:t>RCPP_ARMADILLO_RETURN_ROWVEC_AS_VECTOR – cast </a:t>
+            </a:r>
+            <a:r>
+              <a:rPr lang="en-US" sz="2400" dirty="0" err="1"/>
+              <a:t>arma</a:t>
+            </a:r>
+            <a:r>
+              <a:rPr lang="en-US" sz="2400" dirty="0"/>
+              <a:t>:: Row&lt;Type&gt; to R vector</a:t>
+            </a:r>
+          </a:p>
+          <a:p>
+            <a:pPr lvl="1"/>
+            <a:r>
+              <a:rPr lang="en-US" sz="2400" dirty="0"/>
+              <a:t>RCPP_ARMADILLO_RETURN_ANYVEC_AS_VECTOR – cast  </a:t>
+            </a:r>
+            <a:r>
+              <a:rPr lang="en-US" sz="2400" dirty="0" err="1"/>
+              <a:t>arma</a:t>
+            </a:r>
+            <a:r>
+              <a:rPr lang="en-US" sz="2400" dirty="0"/>
+              <a:t>::Col&lt;Type&gt; and </a:t>
+            </a:r>
+            <a:r>
+              <a:rPr lang="en-US" sz="2400" dirty="0" err="1"/>
+              <a:t>arma</a:t>
+            </a:r>
+            <a:r>
+              <a:rPr lang="en-US" sz="2400" dirty="0"/>
+              <a:t>:: Row&lt;Type&gt; to R vector</a:t>
+            </a:r>
+          </a:p>
+          <a:p>
+            <a:pPr lvl="1"/>
+            <a:endParaRPr lang="en-US" sz="2400" dirty="0"/>
           </a:p>
         </p:txBody>
       </p:sp>
@@ -19614,7 +20765,7 @@
           <p:cNvPr id="4" name="Date Placeholder 3">
             <a:extLst>
               <a:ext uri="{FF2B5EF4-FFF2-40B4-BE49-F238E27FC236}">
-                <a16:creationId xmlns:a16="http://schemas.microsoft.com/office/drawing/2014/main" id="{3722A5F7-2F52-4ED1-8DE4-27E7A610EC45}"/>
+                <a16:creationId xmlns:a16="http://schemas.microsoft.com/office/drawing/2014/main" id="{497B9A7F-1A08-418C-A3F6-EAEE5AF9A982}"/>
               </a:ext>
             </a:extLst>
           </p:cNvPr>
@@ -19632,7 +20783,7 @@
           <a:p>
             <a:r>
               <a:rPr lang="en-US" dirty="0"/>
-              <a:t>2019/01/03</a:t>
+              <a:t>2019/01/09</a:t>
             </a:r>
           </a:p>
         </p:txBody>
@@ -19642,7 +20793,7 @@
           <p:cNvPr id="5" name="Footer Placeholder 4">
             <a:extLst>
               <a:ext uri="{FF2B5EF4-FFF2-40B4-BE49-F238E27FC236}">
-                <a16:creationId xmlns:a16="http://schemas.microsoft.com/office/drawing/2014/main" id="{41FB9D0B-F37B-4D33-9EE0-528DAFFFA064}"/>
+                <a16:creationId xmlns:a16="http://schemas.microsoft.com/office/drawing/2014/main" id="{4AFCD1B0-00D6-4AE3-83AF-96FAB3208E7D}"/>
               </a:ext>
             </a:extLst>
           </p:cNvPr>
@@ -19659,9 +20810,10 @@
           <a:lstStyle/>
           <a:p>
             <a:r>
-              <a:rPr lang="en-US" dirty="0"/>
+              <a:rPr lang="en-US"/>
               <a:t>RcppArmadillo and Parallelism in Rcpp</a:t>
             </a:r>
+            <a:endParaRPr lang="en-US" dirty="0"/>
           </a:p>
         </p:txBody>
       </p:sp>
@@ -19670,7 +20822,7 @@
           <p:cNvPr id="6" name="Slide Number Placeholder 5">
             <a:extLst>
               <a:ext uri="{FF2B5EF4-FFF2-40B4-BE49-F238E27FC236}">
-                <a16:creationId xmlns:a16="http://schemas.microsoft.com/office/drawing/2014/main" id="{292E4D77-97A4-4E80-B1B2-17A544F0B6CB}"/>
+                <a16:creationId xmlns:a16="http://schemas.microsoft.com/office/drawing/2014/main" id="{0E7DF792-48A9-4257-BBD5-7DC8D431195F}"/>
               </a:ext>
             </a:extLst>
           </p:cNvPr>
@@ -19694,10 +20846,38 @@
           </a:p>
         </p:txBody>
       </p:sp>
+      <p:sp>
+        <p:nvSpPr>
+          <p:cNvPr id="7" name="Text Placeholder 6">
+            <a:extLst>
+              <a:ext uri="{FF2B5EF4-FFF2-40B4-BE49-F238E27FC236}">
+                <a16:creationId xmlns:a16="http://schemas.microsoft.com/office/drawing/2014/main" id="{A4460703-0C05-4242-A4F3-413E10B4DF60}"/>
+              </a:ext>
+            </a:extLst>
+          </p:cNvPr>
+          <p:cNvSpPr>
+            <a:spLocks noGrp="1"/>
+          </p:cNvSpPr>
+          <p:nvPr>
+            <p:ph type="body" sz="quarter" idx="13"/>
+          </p:nvPr>
+        </p:nvSpPr>
+        <p:spPr/>
+        <p:txBody>
+          <a:bodyPr/>
+          <a:lstStyle/>
+          <a:p>
+            <a:r>
+              <a:rPr lang="en-US" dirty="0"/>
+              <a:t>4</a:t>
+            </a:r>
+          </a:p>
+        </p:txBody>
+      </p:sp>
     </p:spTree>
     <p:extLst>
       <p:ext uri="{BB962C8B-B14F-4D97-AF65-F5344CB8AC3E}">
-        <p14:creationId xmlns:p14="http://schemas.microsoft.com/office/powerpoint/2010/main" val="3811818718"/>
+        <p14:creationId xmlns:p14="http://schemas.microsoft.com/office/powerpoint/2010/main" val="946164273"/>
       </p:ext>
     </p:extLst>
   </p:cSld>
@@ -19729,7 +20909,7 @@
           <p:cNvPr id="2" name="Title 1">
             <a:extLst>
               <a:ext uri="{FF2B5EF4-FFF2-40B4-BE49-F238E27FC236}">
-                <a16:creationId xmlns:a16="http://schemas.microsoft.com/office/drawing/2014/main" id="{59DB24B3-48DD-48E6-978C-2F49061F9A33}"/>
+                <a16:creationId xmlns:a16="http://schemas.microsoft.com/office/drawing/2014/main" id="{5DE95DFB-3E71-4242-BDC9-486A03D640A1}"/>
               </a:ext>
             </a:extLst>
           </p:cNvPr>
@@ -19740,111 +20920,29 @@
             <p:ph type="title"/>
           </p:nvPr>
         </p:nvSpPr>
-        <p:spPr/>
+        <p:spPr>
+          <a:xfrm>
+            <a:off x="2939696" y="114919"/>
+            <a:ext cx="8428529" cy="1132235"/>
+          </a:xfrm>
+        </p:spPr>
         <p:txBody>
           <a:bodyPr/>
           <a:lstStyle/>
           <a:p>
             <a:r>
-              <a:rPr lang="en-US" altLang="zh-TW" dirty="0"/>
-              <a:t>Parallelism in Rcpp</a:t>
-            </a:r>
-            <a:endParaRPr lang="en-US" dirty="0"/>
+              <a:rPr lang="en-US" dirty="0"/>
+              <a:t>Performance</a:t>
+            </a:r>
           </a:p>
         </p:txBody>
       </p:sp>
       <p:sp>
         <p:nvSpPr>
-          <p:cNvPr id="3" name="Content Placeholder 2">
-            <a:extLst>
-              <a:ext uri="{FF2B5EF4-FFF2-40B4-BE49-F238E27FC236}">
-                <a16:creationId xmlns:a16="http://schemas.microsoft.com/office/drawing/2014/main" id="{1412D033-4F8D-465C-AA43-8BCD62F5F15E}"/>
-              </a:ext>
-            </a:extLst>
-          </p:cNvPr>
-          <p:cNvSpPr>
-            <a:spLocks noGrp="1"/>
-          </p:cNvSpPr>
-          <p:nvPr>
-            <p:ph idx="1"/>
-          </p:nvPr>
-        </p:nvSpPr>
-        <p:spPr/>
-        <p:txBody>
-          <a:bodyPr>
-            <a:normAutofit/>
-          </a:bodyPr>
-          <a:lstStyle/>
-          <a:p>
-            <a:pPr>
-              <a:lnSpc>
-                <a:spcPct val="110000"/>
-              </a:lnSpc>
-            </a:pPr>
-            <a:r>
-              <a:rPr lang="en-US" sz="3200" dirty="0"/>
-              <a:t>First question, why we use C++?</a:t>
-            </a:r>
-          </a:p>
-          <a:p>
-            <a:pPr lvl="1">
-              <a:lnSpc>
-                <a:spcPct val="110000"/>
-              </a:lnSpc>
-            </a:pPr>
-            <a:r>
-              <a:rPr lang="en-US" sz="2800" dirty="0"/>
-              <a:t>It outperforms R in most cases.</a:t>
-            </a:r>
-          </a:p>
-          <a:p>
-            <a:pPr lvl="1">
-              <a:lnSpc>
-                <a:spcPct val="110000"/>
-              </a:lnSpc>
-            </a:pPr>
-            <a:r>
-              <a:rPr lang="en-US" sz="2800" dirty="0"/>
-              <a:t>C and Fortran are more difficult to use for most people.</a:t>
-            </a:r>
-          </a:p>
-          <a:p>
-            <a:pPr lvl="1">
-              <a:lnSpc>
-                <a:spcPct val="110000"/>
-              </a:lnSpc>
-            </a:pPr>
-            <a:r>
-              <a:rPr lang="en-US" sz="2800" dirty="0"/>
-              <a:t>There are many libraries in C++ to accelerate computing with matrices like Armadillo, Eigen, boost, MLPACK.</a:t>
-            </a:r>
-          </a:p>
-          <a:p>
-            <a:pPr lvl="2">
-              <a:lnSpc>
-                <a:spcPct val="110000"/>
-              </a:lnSpc>
-            </a:pPr>
-            <a:r>
-              <a:rPr lang="en-US" sz="2000" dirty="0"/>
-              <a:t>You can find more libraries at </a:t>
-            </a:r>
-            <a:r>
-              <a:rPr lang="en-US" sz="2000" dirty="0">
-                <a:hlinkClick r:id="rId2"/>
-              </a:rPr>
-              <a:t>https://en.cppreference.com/w/cpp/links/libs</a:t>
-            </a:r>
-            <a:endParaRPr lang="en-US" sz="2000" dirty="0"/>
-          </a:p>
-        </p:txBody>
-      </p:sp>
-      <p:sp>
-        <p:nvSpPr>
           <p:cNvPr id="4" name="Date Placeholder 3">
             <a:extLst>
               <a:ext uri="{FF2B5EF4-FFF2-40B4-BE49-F238E27FC236}">
-                <a16:creationId xmlns:a16="http://schemas.microsoft.com/office/drawing/2014/main" id="{01C0B020-7EC4-4CA4-A17D-8B28F31F94AF}"/>
+                <a16:creationId xmlns:a16="http://schemas.microsoft.com/office/drawing/2014/main" id="{3B2F41AF-F58E-4368-9729-43FDA8B5EC9D}"/>
               </a:ext>
             </a:extLst>
           </p:cNvPr>
@@ -19855,14 +20953,19 @@
             <p:ph type="dt" sz="half" idx="10"/>
           </p:nvPr>
         </p:nvSpPr>
-        <p:spPr/>
+        <p:spPr>
+          <a:xfrm>
+            <a:off x="838200" y="6356350"/>
+            <a:ext cx="2743200" cy="365125"/>
+          </a:xfrm>
+        </p:spPr>
         <p:txBody>
           <a:bodyPr/>
           <a:lstStyle/>
           <a:p>
             <a:r>
               <a:rPr lang="en-US" dirty="0"/>
-              <a:t>2019/01/03</a:t>
+              <a:t>2019/01/09</a:t>
             </a:r>
           </a:p>
         </p:txBody>
@@ -19872,7 +20975,7 @@
           <p:cNvPr id="5" name="Footer Placeholder 4">
             <a:extLst>
               <a:ext uri="{FF2B5EF4-FFF2-40B4-BE49-F238E27FC236}">
-                <a16:creationId xmlns:a16="http://schemas.microsoft.com/office/drawing/2014/main" id="{6AB05C47-FD47-4EA8-A60E-F9868B417B9D}"/>
+                <a16:creationId xmlns:a16="http://schemas.microsoft.com/office/drawing/2014/main" id="{03BFF39A-4F51-44BB-A1F5-61FD29987BEB}"/>
               </a:ext>
             </a:extLst>
           </p:cNvPr>
@@ -19883,15 +20986,21 @@
             <p:ph type="ftr" sz="quarter" idx="11"/>
           </p:nvPr>
         </p:nvSpPr>
-        <p:spPr/>
+        <p:spPr>
+          <a:xfrm>
+            <a:off x="4038600" y="6356350"/>
+            <a:ext cx="4114800" cy="365125"/>
+          </a:xfrm>
+        </p:spPr>
         <p:txBody>
           <a:bodyPr/>
           <a:lstStyle/>
           <a:p>
             <a:r>
-              <a:rPr lang="en-US" dirty="0"/>
+              <a:rPr lang="en-US"/>
               <a:t>RcppArmadillo and Parallelism in Rcpp</a:t>
             </a:r>
+            <a:endParaRPr lang="en-US" dirty="0"/>
           </a:p>
         </p:txBody>
       </p:sp>
@@ -19900,7 +21009,7 @@
           <p:cNvPr id="6" name="Slide Number Placeholder 5">
             <a:extLst>
               <a:ext uri="{FF2B5EF4-FFF2-40B4-BE49-F238E27FC236}">
-                <a16:creationId xmlns:a16="http://schemas.microsoft.com/office/drawing/2014/main" id="{E3776708-913B-4997-BCD5-FF5BE7DF298F}"/>
+                <a16:creationId xmlns:a16="http://schemas.microsoft.com/office/drawing/2014/main" id="{0A7D7658-BA8D-4C66-AD7F-22EE96B041F2}"/>
               </a:ext>
             </a:extLst>
           </p:cNvPr>
@@ -19929,7 +21038,7 @@
           <p:cNvPr id="7" name="Text Placeholder 6">
             <a:extLst>
               <a:ext uri="{FF2B5EF4-FFF2-40B4-BE49-F238E27FC236}">
-                <a16:creationId xmlns:a16="http://schemas.microsoft.com/office/drawing/2014/main" id="{5550E964-4F6F-4C1B-BB6A-C9C52FDC414D}"/>
+                <a16:creationId xmlns:a16="http://schemas.microsoft.com/office/drawing/2014/main" id="{E4B54664-E89E-402D-86E1-7D6F3A775BED}"/>
               </a:ext>
             </a:extLst>
           </p:cNvPr>
@@ -19946,17 +21055,370 @@
           <a:lstStyle/>
           <a:p>
             <a:r>
-              <a:rPr lang="en-US" altLang="zh-TW" dirty="0"/>
-              <a:t>5</a:t>
-            </a:r>
-            <a:endParaRPr lang="en-US" dirty="0"/>
+              <a:rPr lang="en-US" dirty="0"/>
+              <a:t>4</a:t>
+            </a:r>
+          </a:p>
+        </p:txBody>
+      </p:sp>
+      <p:sp>
+        <p:nvSpPr>
+          <p:cNvPr id="12" name="TextBox 11">
+            <a:extLst>
+              <a:ext uri="{FF2B5EF4-FFF2-40B4-BE49-F238E27FC236}">
+                <a16:creationId xmlns:a16="http://schemas.microsoft.com/office/drawing/2014/main" id="{2C3AC574-1114-4207-917A-3C855A993F82}"/>
+              </a:ext>
+            </a:extLst>
+          </p:cNvPr>
+          <p:cNvSpPr txBox="1"/>
+          <p:nvPr/>
+        </p:nvSpPr>
+        <p:spPr>
+          <a:xfrm>
+            <a:off x="1098850" y="1765736"/>
+            <a:ext cx="906017" cy="646331"/>
+          </a:xfrm>
+          <a:prstGeom prst="rect">
+            <a:avLst/>
+          </a:prstGeom>
+          <a:noFill/>
+        </p:spPr>
+        <p:txBody>
+          <a:bodyPr wrap="none" rtlCol="0">
+            <a:spAutoFit/>
+          </a:bodyPr>
+          <a:lstStyle/>
+          <a:p>
+            <a:pPr algn="ctr"/>
+            <a:r>
+              <a:rPr lang="en-US" dirty="0"/>
+              <a:t>N = 100</a:t>
+            </a:r>
+          </a:p>
+          <a:p>
+            <a:pPr algn="ctr"/>
+            <a:r>
+              <a:rPr lang="en-US" dirty="0"/>
+              <a:t>P = 20</a:t>
+            </a:r>
+          </a:p>
+        </p:txBody>
+      </p:sp>
+      <p:sp>
+        <p:nvSpPr>
+          <p:cNvPr id="13" name="TextBox 12">
+            <a:extLst>
+              <a:ext uri="{FF2B5EF4-FFF2-40B4-BE49-F238E27FC236}">
+                <a16:creationId xmlns:a16="http://schemas.microsoft.com/office/drawing/2014/main" id="{AF3305F6-FBFB-447A-A363-52BC2924812B}"/>
+              </a:ext>
+            </a:extLst>
+          </p:cNvPr>
+          <p:cNvSpPr txBox="1"/>
+          <p:nvPr/>
+        </p:nvSpPr>
+        <p:spPr>
+          <a:xfrm>
+            <a:off x="1847528" y="3496359"/>
+            <a:ext cx="1140056" cy="646331"/>
+          </a:xfrm>
+          <a:prstGeom prst="rect">
+            <a:avLst/>
+          </a:prstGeom>
+          <a:noFill/>
+        </p:spPr>
+        <p:txBody>
+          <a:bodyPr wrap="none" rtlCol="0">
+            <a:spAutoFit/>
+          </a:bodyPr>
+          <a:lstStyle/>
+          <a:p>
+            <a:pPr algn="ctr"/>
+            <a:r>
+              <a:rPr lang="en-US" dirty="0"/>
+              <a:t>N = 10000</a:t>
+            </a:r>
+          </a:p>
+          <a:p>
+            <a:pPr algn="ctr"/>
+            <a:r>
+              <a:rPr lang="en-US" dirty="0"/>
+              <a:t>P = 20</a:t>
+            </a:r>
+          </a:p>
+        </p:txBody>
+      </p:sp>
+      <p:sp>
+        <p:nvSpPr>
+          <p:cNvPr id="14" name="TextBox 13">
+            <a:extLst>
+              <a:ext uri="{FF2B5EF4-FFF2-40B4-BE49-F238E27FC236}">
+                <a16:creationId xmlns:a16="http://schemas.microsoft.com/office/drawing/2014/main" id="{C6F3137F-1BE7-4445-8C9F-F4E57049EA38}"/>
+              </a:ext>
+            </a:extLst>
+          </p:cNvPr>
+          <p:cNvSpPr txBox="1"/>
+          <p:nvPr/>
+        </p:nvSpPr>
+        <p:spPr>
+          <a:xfrm>
+            <a:off x="3699121" y="5301208"/>
+            <a:ext cx="1140056" cy="646331"/>
+          </a:xfrm>
+          <a:prstGeom prst="rect">
+            <a:avLst/>
+          </a:prstGeom>
+          <a:noFill/>
+        </p:spPr>
+        <p:txBody>
+          <a:bodyPr wrap="none" rtlCol="0">
+            <a:spAutoFit/>
+          </a:bodyPr>
+          <a:lstStyle/>
+          <a:p>
+            <a:pPr algn="ctr"/>
+            <a:r>
+              <a:rPr lang="en-US" dirty="0"/>
+              <a:t>N = 10000</a:t>
+            </a:r>
+          </a:p>
+          <a:p>
+            <a:pPr algn="ctr"/>
+            <a:r>
+              <a:rPr lang="en-US" dirty="0"/>
+              <a:t>P = 200</a:t>
+            </a:r>
+          </a:p>
+        </p:txBody>
+      </p:sp>
+      <p:pic>
+        <p:nvPicPr>
+          <p:cNvPr id="15" name="Picture 14">
+            <a:extLst>
+              <a:ext uri="{FF2B5EF4-FFF2-40B4-BE49-F238E27FC236}">
+                <a16:creationId xmlns:a16="http://schemas.microsoft.com/office/drawing/2014/main" id="{8CE28494-2197-4200-8C0B-4ED296914632}"/>
+              </a:ext>
+            </a:extLst>
+          </p:cNvPr>
+          <p:cNvPicPr>
+            <a:picLocks noChangeAspect="1"/>
+          </p:cNvPicPr>
+          <p:nvPr/>
+        </p:nvPicPr>
+        <p:blipFill>
+          <a:blip r:embed="rId2"/>
+          <a:stretch>
+            <a:fillRect/>
+          </a:stretch>
+        </p:blipFill>
+        <p:spPr>
+          <a:xfrm>
+            <a:off x="6888088" y="223159"/>
+            <a:ext cx="5112568" cy="1203277"/>
+          </a:xfrm>
+          <a:prstGeom prst="rect">
+            <a:avLst/>
+          </a:prstGeom>
+        </p:spPr>
+      </p:pic>
+      <p:pic>
+        <p:nvPicPr>
+          <p:cNvPr id="16" name="Picture 15">
+            <a:extLst>
+              <a:ext uri="{FF2B5EF4-FFF2-40B4-BE49-F238E27FC236}">
+                <a16:creationId xmlns:a16="http://schemas.microsoft.com/office/drawing/2014/main" id="{EE961BB9-B764-4491-8A42-4802A61E6FDC}"/>
+              </a:ext>
+            </a:extLst>
+          </p:cNvPr>
+          <p:cNvPicPr>
+            <a:picLocks noChangeAspect="1"/>
+          </p:cNvPicPr>
+          <p:nvPr/>
+        </p:nvPicPr>
+        <p:blipFill rotWithShape="1">
+          <a:blip r:embed="rId3" cstate="screen">
+            <a:extLst>
+              <a:ext uri="{28A0092B-C50C-407E-A947-70E740481C1C}">
+                <a14:useLocalDpi xmlns:a14="http://schemas.microsoft.com/office/drawing/2010/main"/>
+              </a:ext>
+            </a:extLst>
+          </a:blip>
+          <a:srcRect/>
+          <a:stretch/>
+        </p:blipFill>
+        <p:spPr>
+          <a:xfrm>
+            <a:off x="2006468" y="1276376"/>
+            <a:ext cx="4754880" cy="1625053"/>
+          </a:xfrm>
+          <a:prstGeom prst="rect">
+            <a:avLst/>
+          </a:prstGeom>
+        </p:spPr>
+      </p:pic>
+      <p:pic>
+        <p:nvPicPr>
+          <p:cNvPr id="17" name="Picture 16">
+            <a:extLst>
+              <a:ext uri="{FF2B5EF4-FFF2-40B4-BE49-F238E27FC236}">
+                <a16:creationId xmlns:a16="http://schemas.microsoft.com/office/drawing/2014/main" id="{394826F7-3DC4-483D-9516-3FFAEB8548CB}"/>
+              </a:ext>
+            </a:extLst>
+          </p:cNvPr>
+          <p:cNvPicPr>
+            <a:picLocks noChangeAspect="1"/>
+          </p:cNvPicPr>
+          <p:nvPr/>
+        </p:nvPicPr>
+        <p:blipFill rotWithShape="1">
+          <a:blip r:embed="rId4" cstate="screen">
+            <a:extLst>
+              <a:ext uri="{28A0092B-C50C-407E-A947-70E740481C1C}">
+                <a14:useLocalDpi xmlns:a14="http://schemas.microsoft.com/office/drawing/2010/main"/>
+              </a:ext>
+            </a:extLst>
+          </a:blip>
+          <a:srcRect/>
+          <a:stretch/>
+        </p:blipFill>
+        <p:spPr>
+          <a:xfrm>
+            <a:off x="3143672" y="2987530"/>
+            <a:ext cx="4754880" cy="1638197"/>
+          </a:xfrm>
+          <a:prstGeom prst="rect">
+            <a:avLst/>
+          </a:prstGeom>
+        </p:spPr>
+      </p:pic>
+      <p:pic>
+        <p:nvPicPr>
+          <p:cNvPr id="18" name="Picture 17">
+            <a:extLst>
+              <a:ext uri="{FF2B5EF4-FFF2-40B4-BE49-F238E27FC236}">
+                <a16:creationId xmlns:a16="http://schemas.microsoft.com/office/drawing/2014/main" id="{E534E076-406B-45D1-A6F4-5188819CE697}"/>
+              </a:ext>
+            </a:extLst>
+          </p:cNvPr>
+          <p:cNvPicPr>
+            <a:picLocks noChangeAspect="1"/>
+          </p:cNvPicPr>
+          <p:nvPr/>
+        </p:nvPicPr>
+        <p:blipFill rotWithShape="1">
+          <a:blip r:embed="rId5" cstate="screen">
+            <a:extLst>
+              <a:ext uri="{28A0092B-C50C-407E-A947-70E740481C1C}">
+                <a14:useLocalDpi xmlns:a14="http://schemas.microsoft.com/office/drawing/2010/main"/>
+              </a:ext>
+            </a:extLst>
+          </a:blip>
+          <a:srcRect/>
+          <a:stretch/>
+        </p:blipFill>
+        <p:spPr>
+          <a:xfrm>
+            <a:off x="4943872" y="4727905"/>
+            <a:ext cx="4754880" cy="1638198"/>
+          </a:xfrm>
+          <a:prstGeom prst="rect">
+            <a:avLst/>
+          </a:prstGeom>
+        </p:spPr>
+      </p:pic>
+      <p:sp>
+        <p:nvSpPr>
+          <p:cNvPr id="19" name="TextBox 18">
+            <a:extLst>
+              <a:ext uri="{FF2B5EF4-FFF2-40B4-BE49-F238E27FC236}">
+                <a16:creationId xmlns:a16="http://schemas.microsoft.com/office/drawing/2014/main" id="{230AA1B9-0E4F-48E1-9B21-A8B752B12197}"/>
+              </a:ext>
+            </a:extLst>
+          </p:cNvPr>
+          <p:cNvSpPr txBox="1"/>
+          <p:nvPr/>
+        </p:nvSpPr>
+        <p:spPr>
+          <a:xfrm>
+            <a:off x="7321312" y="1715265"/>
+            <a:ext cx="4094582" cy="646331"/>
+          </a:xfrm>
+          <a:prstGeom prst="rect">
+            <a:avLst/>
+          </a:prstGeom>
+          <a:noFill/>
+        </p:spPr>
+        <p:txBody>
+          <a:bodyPr wrap="none" rtlCol="0">
+            <a:spAutoFit/>
+          </a:bodyPr>
+          <a:lstStyle/>
+          <a:p>
+            <a:r>
+              <a:rPr lang="en-US" dirty="0"/>
+              <a:t>These benchmarks is under MRO-3.4.4 </a:t>
+            </a:r>
+          </a:p>
+          <a:p>
+            <a:r>
+              <a:rPr lang="en-US" dirty="0"/>
+              <a:t>with AMD </a:t>
+            </a:r>
+            <a:r>
+              <a:rPr lang="en-US" dirty="0" err="1"/>
+              <a:t>ThreadRipper</a:t>
+            </a:r>
+            <a:r>
+              <a:rPr lang="en-US" dirty="0"/>
+              <a:t> X1950@3.85GHz</a:t>
+            </a:r>
+          </a:p>
+        </p:txBody>
+      </p:sp>
+      <p:sp>
+        <p:nvSpPr>
+          <p:cNvPr id="20" name="TextBox 19">
+            <a:extLst>
+              <a:ext uri="{FF2B5EF4-FFF2-40B4-BE49-F238E27FC236}">
+                <a16:creationId xmlns:a16="http://schemas.microsoft.com/office/drawing/2014/main" id="{7EBCF4B9-0EC6-46B3-9060-EBAA28DBA4CB}"/>
+              </a:ext>
+            </a:extLst>
+          </p:cNvPr>
+          <p:cNvSpPr txBox="1"/>
+          <p:nvPr/>
+        </p:nvSpPr>
+        <p:spPr>
+          <a:xfrm>
+            <a:off x="8026864" y="2463774"/>
+            <a:ext cx="3326936" cy="646331"/>
+          </a:xfrm>
+          <a:prstGeom prst="rect">
+            <a:avLst/>
+          </a:prstGeom>
+          <a:noFill/>
+        </p:spPr>
+        <p:txBody>
+          <a:bodyPr wrap="none" rtlCol="0">
+            <a:spAutoFit/>
+          </a:bodyPr>
+          <a:lstStyle/>
+          <a:p>
+            <a:r>
+              <a:rPr lang="en-US" dirty="0"/>
+              <a:t>The official R is slower than MRO.</a:t>
+            </a:r>
+          </a:p>
+          <a:p>
+            <a:r>
+              <a:rPr lang="en-US" dirty="0"/>
+              <a:t>       See next slide.</a:t>
+            </a:r>
           </a:p>
         </p:txBody>
       </p:sp>
     </p:spTree>
     <p:extLst>
       <p:ext uri="{BB962C8B-B14F-4D97-AF65-F5344CB8AC3E}">
-        <p14:creationId xmlns:p14="http://schemas.microsoft.com/office/powerpoint/2010/main" val="3926937903"/>
+        <p14:creationId xmlns:p14="http://schemas.microsoft.com/office/powerpoint/2010/main" val="3134830299"/>
       </p:ext>
     </p:extLst>
   </p:cSld>
@@ -19988,7 +21450,7 @@
           <p:cNvPr id="2" name="Title 1">
             <a:extLst>
               <a:ext uri="{FF2B5EF4-FFF2-40B4-BE49-F238E27FC236}">
-                <a16:creationId xmlns:a16="http://schemas.microsoft.com/office/drawing/2014/main" id="{20F739D1-57B8-4267-BC05-D5251E801F99}"/>
+                <a16:creationId xmlns:a16="http://schemas.microsoft.com/office/drawing/2014/main" id="{6C945859-2464-4F92-ADE4-42568DED41DC}"/>
               </a:ext>
             </a:extLst>
           </p:cNvPr>
@@ -20006,17 +21468,326 @@
           <a:p>
             <a:r>
               <a:rPr lang="en-US" dirty="0"/>
-              <a:t>After this lesson…</a:t>
+              <a:t>Performance in Official R</a:t>
             </a:r>
           </a:p>
         </p:txBody>
       </p:sp>
       <p:sp>
         <p:nvSpPr>
+          <p:cNvPr id="4" name="Date Placeholder 3">
+            <a:extLst>
+              <a:ext uri="{FF2B5EF4-FFF2-40B4-BE49-F238E27FC236}">
+                <a16:creationId xmlns:a16="http://schemas.microsoft.com/office/drawing/2014/main" id="{1663407D-3EA6-4A37-B3C3-EC3E5FDDC2AA}"/>
+              </a:ext>
+            </a:extLst>
+          </p:cNvPr>
+          <p:cNvSpPr>
+            <a:spLocks noGrp="1"/>
+          </p:cNvSpPr>
+          <p:nvPr>
+            <p:ph type="dt" sz="half" idx="10"/>
+          </p:nvPr>
+        </p:nvSpPr>
+        <p:spPr/>
+        <p:txBody>
+          <a:bodyPr/>
+          <a:lstStyle/>
+          <a:p>
+            <a:r>
+              <a:rPr lang="en-US" dirty="0"/>
+              <a:t>2019/01/09</a:t>
+            </a:r>
+          </a:p>
+        </p:txBody>
+      </p:sp>
+      <p:sp>
+        <p:nvSpPr>
+          <p:cNvPr id="5" name="Footer Placeholder 4">
+            <a:extLst>
+              <a:ext uri="{FF2B5EF4-FFF2-40B4-BE49-F238E27FC236}">
+                <a16:creationId xmlns:a16="http://schemas.microsoft.com/office/drawing/2014/main" id="{4D0BF935-3F77-47AD-9C4C-46DF6F793BC1}"/>
+              </a:ext>
+            </a:extLst>
+          </p:cNvPr>
+          <p:cNvSpPr>
+            <a:spLocks noGrp="1"/>
+          </p:cNvSpPr>
+          <p:nvPr>
+            <p:ph type="ftr" sz="quarter" idx="11"/>
+          </p:nvPr>
+        </p:nvSpPr>
+        <p:spPr/>
+        <p:txBody>
+          <a:bodyPr/>
+          <a:lstStyle/>
+          <a:p>
+            <a:r>
+              <a:rPr lang="en-US"/>
+              <a:t>RcppArmadillo and Parallelism in Rcpp</a:t>
+            </a:r>
+            <a:endParaRPr lang="en-US" dirty="0"/>
+          </a:p>
+        </p:txBody>
+      </p:sp>
+      <p:sp>
+        <p:nvSpPr>
+          <p:cNvPr id="6" name="Slide Number Placeholder 5">
+            <a:extLst>
+              <a:ext uri="{FF2B5EF4-FFF2-40B4-BE49-F238E27FC236}">
+                <a16:creationId xmlns:a16="http://schemas.microsoft.com/office/drawing/2014/main" id="{A03AB107-ED65-473C-AB61-C55F56CC2F30}"/>
+              </a:ext>
+            </a:extLst>
+          </p:cNvPr>
+          <p:cNvSpPr>
+            <a:spLocks noGrp="1"/>
+          </p:cNvSpPr>
+          <p:nvPr>
+            <p:ph type="sldNum" sz="quarter" idx="12"/>
+          </p:nvPr>
+        </p:nvSpPr>
+        <p:spPr/>
+        <p:txBody>
+          <a:bodyPr/>
+          <a:lstStyle/>
+          <a:p>
+            <a:fld id="{D325CB3F-26C9-44D7-A7CB-40F86C5CE4B1}" type="slidenum">
+              <a:rPr lang="en-US" smtClean="0"/>
+              <a:t>13</a:t>
+            </a:fld>
+            <a:endParaRPr lang="en-US"/>
+          </a:p>
+        </p:txBody>
+      </p:sp>
+      <p:sp>
+        <p:nvSpPr>
+          <p:cNvPr id="7" name="Text Placeholder 6">
+            <a:extLst>
+              <a:ext uri="{FF2B5EF4-FFF2-40B4-BE49-F238E27FC236}">
+                <a16:creationId xmlns:a16="http://schemas.microsoft.com/office/drawing/2014/main" id="{B941E18F-A249-4003-B61C-604DB9970D24}"/>
+              </a:ext>
+            </a:extLst>
+          </p:cNvPr>
+          <p:cNvSpPr>
+            <a:spLocks noGrp="1"/>
+          </p:cNvSpPr>
+          <p:nvPr>
+            <p:ph type="body" sz="quarter" idx="13"/>
+          </p:nvPr>
+        </p:nvSpPr>
+        <p:spPr/>
+        <p:txBody>
+          <a:bodyPr/>
+          <a:lstStyle/>
+          <a:p>
+            <a:r>
+              <a:rPr lang="en-US" dirty="0"/>
+              <a:t>4</a:t>
+            </a:r>
+          </a:p>
+        </p:txBody>
+      </p:sp>
+      <p:pic>
+        <p:nvPicPr>
+          <p:cNvPr id="8" name="Picture 7">
+            <a:extLst>
+              <a:ext uri="{FF2B5EF4-FFF2-40B4-BE49-F238E27FC236}">
+                <a16:creationId xmlns:a16="http://schemas.microsoft.com/office/drawing/2014/main" id="{F98FD1B3-0B30-4E4F-849E-01FA4E7439B2}"/>
+              </a:ext>
+            </a:extLst>
+          </p:cNvPr>
+          <p:cNvPicPr>
+            <a:picLocks noChangeAspect="1"/>
+          </p:cNvPicPr>
+          <p:nvPr/>
+        </p:nvPicPr>
+        <p:blipFill>
+          <a:blip r:embed="rId2"/>
+          <a:stretch>
+            <a:fillRect/>
+          </a:stretch>
+        </p:blipFill>
+        <p:spPr>
+          <a:xfrm>
+            <a:off x="5951984" y="858382"/>
+            <a:ext cx="4728043" cy="5472230"/>
+          </a:xfrm>
+          <a:prstGeom prst="rect">
+            <a:avLst/>
+          </a:prstGeom>
+        </p:spPr>
+      </p:pic>
+      <p:pic>
+        <p:nvPicPr>
+          <p:cNvPr id="9" name="Picture 8">
+            <a:extLst>
+              <a:ext uri="{FF2B5EF4-FFF2-40B4-BE49-F238E27FC236}">
+                <a16:creationId xmlns:a16="http://schemas.microsoft.com/office/drawing/2014/main" id="{CEAAFD42-73DE-4B94-BD37-8E2D45D78F09}"/>
+              </a:ext>
+            </a:extLst>
+          </p:cNvPr>
+          <p:cNvPicPr>
+            <a:picLocks noChangeAspect="1"/>
+          </p:cNvPicPr>
+          <p:nvPr/>
+        </p:nvPicPr>
+        <p:blipFill rotWithShape="1">
+          <a:blip r:embed="rId3" cstate="screen">
+            <a:extLst>
+              <a:ext uri="{28A0092B-C50C-407E-A947-70E740481C1C}">
+                <a14:useLocalDpi xmlns:a14="http://schemas.microsoft.com/office/drawing/2010/main"/>
+              </a:ext>
+            </a:extLst>
+          </a:blip>
+          <a:srcRect/>
+          <a:stretch/>
+        </p:blipFill>
+        <p:spPr>
+          <a:xfrm>
+            <a:off x="968504" y="1268760"/>
+            <a:ext cx="4754880" cy="1625053"/>
+          </a:xfrm>
+          <a:prstGeom prst="rect">
+            <a:avLst/>
+          </a:prstGeom>
+        </p:spPr>
+      </p:pic>
+      <p:pic>
+        <p:nvPicPr>
+          <p:cNvPr id="10" name="Picture 9">
+            <a:extLst>
+              <a:ext uri="{FF2B5EF4-FFF2-40B4-BE49-F238E27FC236}">
+                <a16:creationId xmlns:a16="http://schemas.microsoft.com/office/drawing/2014/main" id="{C2766CCA-1D57-4DF6-9C36-752629115CAE}"/>
+              </a:ext>
+            </a:extLst>
+          </p:cNvPr>
+          <p:cNvPicPr>
+            <a:picLocks noChangeAspect="1"/>
+          </p:cNvPicPr>
+          <p:nvPr/>
+        </p:nvPicPr>
+        <p:blipFill rotWithShape="1">
+          <a:blip r:embed="rId4" cstate="screen">
+            <a:extLst>
+              <a:ext uri="{28A0092B-C50C-407E-A947-70E740481C1C}">
+                <a14:useLocalDpi xmlns:a14="http://schemas.microsoft.com/office/drawing/2010/main"/>
+              </a:ext>
+            </a:extLst>
+          </a:blip>
+          <a:srcRect/>
+          <a:stretch/>
+        </p:blipFill>
+        <p:spPr>
+          <a:xfrm>
+            <a:off x="968504" y="2971512"/>
+            <a:ext cx="4754880" cy="1638197"/>
+          </a:xfrm>
+          <a:prstGeom prst="rect">
+            <a:avLst/>
+          </a:prstGeom>
+        </p:spPr>
+      </p:pic>
+      <p:pic>
+        <p:nvPicPr>
+          <p:cNvPr id="11" name="Picture 10">
+            <a:extLst>
+              <a:ext uri="{FF2B5EF4-FFF2-40B4-BE49-F238E27FC236}">
+                <a16:creationId xmlns:a16="http://schemas.microsoft.com/office/drawing/2014/main" id="{74AB517E-17AD-41E2-A38F-FC9809C0272C}"/>
+              </a:ext>
+            </a:extLst>
+          </p:cNvPr>
+          <p:cNvPicPr>
+            <a:picLocks noChangeAspect="1"/>
+          </p:cNvPicPr>
+          <p:nvPr/>
+        </p:nvPicPr>
+        <p:blipFill rotWithShape="1">
+          <a:blip r:embed="rId5" cstate="screen">
+            <a:extLst>
+              <a:ext uri="{28A0092B-C50C-407E-A947-70E740481C1C}">
+                <a14:useLocalDpi xmlns:a14="http://schemas.microsoft.com/office/drawing/2010/main"/>
+              </a:ext>
+            </a:extLst>
+          </a:blip>
+          <a:srcRect/>
+          <a:stretch/>
+        </p:blipFill>
+        <p:spPr>
+          <a:xfrm>
+            <a:off x="968504" y="4718151"/>
+            <a:ext cx="4754880" cy="1638198"/>
+          </a:xfrm>
+          <a:prstGeom prst="rect">
+            <a:avLst/>
+          </a:prstGeom>
+        </p:spPr>
+      </p:pic>
+    </p:spTree>
+    <p:extLst>
+      <p:ext uri="{BB962C8B-B14F-4D97-AF65-F5344CB8AC3E}">
+        <p14:creationId xmlns:p14="http://schemas.microsoft.com/office/powerpoint/2010/main" val="142452461"/>
+      </p:ext>
+    </p:extLst>
+  </p:cSld>
+  <p:clrMapOvr>
+    <a:masterClrMapping/>
+  </p:clrMapOvr>
+</p:sld>
+</file>
+
+<file path=ppt/slides/slide14.xml><?xml version="1.0" encoding="utf-8"?>
+<p:sld xmlns:a="http://schemas.openxmlformats.org/drawingml/2006/main" xmlns:r="http://schemas.openxmlformats.org/officeDocument/2006/relationships" xmlns:p="http://schemas.openxmlformats.org/presentationml/2006/main">
+  <p:cSld>
+    <p:spTree>
+      <p:nvGrpSpPr>
+        <p:cNvPr id="1" name=""/>
+        <p:cNvGrpSpPr/>
+        <p:nvPr/>
+      </p:nvGrpSpPr>
+      <p:grpSpPr>
+        <a:xfrm>
+          <a:off x="0" y="0"/>
+          <a:ext cx="0" cy="0"/>
+          <a:chOff x="0" y="0"/>
+          <a:chExt cx="0" cy="0"/>
+        </a:xfrm>
+      </p:grpSpPr>
+      <p:sp>
+        <p:nvSpPr>
+          <p:cNvPr id="2" name="Title 1">
+            <a:extLst>
+              <a:ext uri="{FF2B5EF4-FFF2-40B4-BE49-F238E27FC236}">
+                <a16:creationId xmlns:a16="http://schemas.microsoft.com/office/drawing/2014/main" id="{8426A410-C24E-414A-8FAA-241B04DA0EF4}"/>
+              </a:ext>
+            </a:extLst>
+          </p:cNvPr>
+          <p:cNvSpPr>
+            <a:spLocks noGrp="1"/>
+          </p:cNvSpPr>
+          <p:nvPr>
+            <p:ph type="title"/>
+          </p:nvPr>
+        </p:nvSpPr>
+        <p:spPr/>
+        <p:txBody>
+          <a:bodyPr>
+            <a:noAutofit/>
+          </a:bodyPr>
+          <a:lstStyle/>
+          <a:p>
+            <a:r>
+              <a:rPr lang="en-US" sz="3200" dirty="0"/>
+              <a:t>Second Example – Logistic Regression</a:t>
+            </a:r>
+          </a:p>
+        </p:txBody>
+      </p:sp>
+      <p:sp>
+        <p:nvSpPr>
           <p:cNvPr id="3" name="Content Placeholder 2">
             <a:extLst>
               <a:ext uri="{FF2B5EF4-FFF2-40B4-BE49-F238E27FC236}">
-                <a16:creationId xmlns:a16="http://schemas.microsoft.com/office/drawing/2014/main" id="{ADE2E475-EAA6-4F16-9D90-81EB5FCF7AB8}"/>
+                <a16:creationId xmlns:a16="http://schemas.microsoft.com/office/drawing/2014/main" id="{DC4B097D-AF36-4ED6-ADF7-C3F565EB076C}"/>
               </a:ext>
             </a:extLst>
           </p:cNvPr>
@@ -20032,60 +21803,8 @@
           <a:bodyPr/>
           <a:lstStyle/>
           <a:p>
-            <a:r>
-              <a:rPr lang="en-US" b="1" dirty="0"/>
-              <a:t>There are a lot of R packages under Rcpp framework, i.e.</a:t>
-            </a:r>
-          </a:p>
-          <a:p>
-            <a:pPr lvl="1"/>
-            <a:r>
-              <a:rPr lang="en-US" b="1" dirty="0">
-                <a:hlinkClick r:id="rId2"/>
-              </a:rPr>
-              <a:t>BH</a:t>
-            </a:r>
-            <a:r>
-              <a:rPr lang="en-US" b="1" dirty="0"/>
-              <a:t> – Provides boost header</a:t>
-            </a:r>
-          </a:p>
-          <a:p>
-            <a:pPr lvl="1"/>
-            <a:r>
-              <a:rPr lang="en-US" b="1" dirty="0">
-                <a:hlinkClick r:id="rId3"/>
-              </a:rPr>
-              <a:t>RcppMLPACK</a:t>
-            </a:r>
-            <a:r>
-              <a:rPr lang="en-US" b="1" dirty="0"/>
-              <a:t> – Integrate MLPACK library</a:t>
-            </a:r>
-            <a:endParaRPr lang="en-US" b="1" dirty="0">
-              <a:hlinkClick r:id="rId4"/>
-            </a:endParaRPr>
-          </a:p>
-          <a:p>
-            <a:pPr lvl="1"/>
-            <a:r>
-              <a:rPr lang="en-US" b="1" dirty="0">
-                <a:hlinkClick r:id="rId4"/>
-              </a:rPr>
-              <a:t>RcppNumerical</a:t>
-            </a:r>
-            <a:r>
-              <a:rPr lang="en-US" b="1" dirty="0"/>
-              <a:t> – Integrate Numerical Computing Libraries</a:t>
-            </a:r>
-          </a:p>
-          <a:p>
-            <a:pPr lvl="1"/>
             <a:endParaRPr lang="en-US" dirty="0"/>
           </a:p>
-          <a:p>
-            <a:endParaRPr lang="en-US" dirty="0"/>
-          </a:p>
         </p:txBody>
       </p:sp>
       <p:sp>
@@ -20093,7 +21812,7 @@
           <p:cNvPr id="4" name="Date Placeholder 3">
             <a:extLst>
               <a:ext uri="{FF2B5EF4-FFF2-40B4-BE49-F238E27FC236}">
-                <a16:creationId xmlns:a16="http://schemas.microsoft.com/office/drawing/2014/main" id="{52AC9B80-0C15-4857-AA2D-F95C2C346A1D}"/>
+                <a16:creationId xmlns:a16="http://schemas.microsoft.com/office/drawing/2014/main" id="{29666CA0-3A3C-4E4E-94C8-28D9DE351D9E}"/>
               </a:ext>
             </a:extLst>
           </p:cNvPr>
@@ -20110,10 +21829,9 @@
           <a:lstStyle/>
           <a:p>
             <a:r>
-              <a:rPr lang="en-US"/>
-              <a:t>2019/01/03</a:t>
-            </a:r>
-            <a:endParaRPr lang="en-US" dirty="0"/>
+              <a:rPr lang="en-US" dirty="0"/>
+              <a:t>2019/01/09</a:t>
+            </a:r>
           </a:p>
         </p:txBody>
       </p:sp>
@@ -20122,7 +21840,7 @@
           <p:cNvPr id="5" name="Footer Placeholder 4">
             <a:extLst>
               <a:ext uri="{FF2B5EF4-FFF2-40B4-BE49-F238E27FC236}">
-                <a16:creationId xmlns:a16="http://schemas.microsoft.com/office/drawing/2014/main" id="{83E6B367-8DD9-4CFB-89DB-E8E64FBE8CCE}"/>
+                <a16:creationId xmlns:a16="http://schemas.microsoft.com/office/drawing/2014/main" id="{FDB1A7BF-2E9D-45D9-8F33-D1E6DFCE7213}"/>
               </a:ext>
             </a:extLst>
           </p:cNvPr>
@@ -20139,9 +21857,10 @@
           <a:lstStyle/>
           <a:p>
             <a:r>
-              <a:rPr lang="en-US" dirty="0"/>
+              <a:rPr lang="en-US"/>
               <a:t>RcppArmadillo and Parallelism in Rcpp</a:t>
             </a:r>
+            <a:endParaRPr lang="en-US" dirty="0"/>
           </a:p>
         </p:txBody>
       </p:sp>
@@ -20150,7 +21869,7 @@
           <p:cNvPr id="6" name="Slide Number Placeholder 5">
             <a:extLst>
               <a:ext uri="{FF2B5EF4-FFF2-40B4-BE49-F238E27FC236}">
-                <a16:creationId xmlns:a16="http://schemas.microsoft.com/office/drawing/2014/main" id="{41246418-F9FE-4A6B-9B5E-B05AE82B13E0}"/>
+                <a16:creationId xmlns:a16="http://schemas.microsoft.com/office/drawing/2014/main" id="{D16A2617-13BB-4098-80C0-57FCCD6FB5C1}"/>
               </a:ext>
             </a:extLst>
           </p:cNvPr>
@@ -20168,7 +21887,701 @@
           <a:p>
             <a:fld id="{D325CB3F-26C9-44D7-A7CB-40F86C5CE4B1}" type="slidenum">
               <a:rPr lang="en-US" smtClean="0"/>
-              <a:t>13</a:t>
+              <a:t>14</a:t>
+            </a:fld>
+            <a:endParaRPr lang="en-US"/>
+          </a:p>
+        </p:txBody>
+      </p:sp>
+      <p:sp>
+        <p:nvSpPr>
+          <p:cNvPr id="7" name="Text Placeholder 6">
+            <a:extLst>
+              <a:ext uri="{FF2B5EF4-FFF2-40B4-BE49-F238E27FC236}">
+                <a16:creationId xmlns:a16="http://schemas.microsoft.com/office/drawing/2014/main" id="{4E5577DA-3768-4035-ACC1-937DC53AFBBD}"/>
+              </a:ext>
+            </a:extLst>
+          </p:cNvPr>
+          <p:cNvSpPr>
+            <a:spLocks noGrp="1"/>
+          </p:cNvSpPr>
+          <p:nvPr>
+            <p:ph type="body" sz="quarter" idx="13"/>
+          </p:nvPr>
+        </p:nvSpPr>
+        <p:spPr/>
+        <p:txBody>
+          <a:bodyPr/>
+          <a:lstStyle/>
+          <a:p>
+            <a:r>
+              <a:rPr lang="en-US" dirty="0"/>
+              <a:t>4</a:t>
+            </a:r>
+          </a:p>
+        </p:txBody>
+      </p:sp>
+    </p:spTree>
+    <p:extLst>
+      <p:ext uri="{BB962C8B-B14F-4D97-AF65-F5344CB8AC3E}">
+        <p14:creationId xmlns:p14="http://schemas.microsoft.com/office/powerpoint/2010/main" val="3721778967"/>
+      </p:ext>
+    </p:extLst>
+  </p:cSld>
+  <p:clrMapOvr>
+    <a:masterClrMapping/>
+  </p:clrMapOvr>
+</p:sld>
+</file>
+
+<file path=ppt/slides/slide15.xml><?xml version="1.0" encoding="utf-8"?>
+<p:sld xmlns:a="http://schemas.openxmlformats.org/drawingml/2006/main" xmlns:r="http://schemas.openxmlformats.org/officeDocument/2006/relationships" xmlns:p="http://schemas.openxmlformats.org/presentationml/2006/main">
+  <p:cSld>
+    <p:spTree>
+      <p:nvGrpSpPr>
+        <p:cNvPr id="1" name=""/>
+        <p:cNvGrpSpPr/>
+        <p:nvPr/>
+      </p:nvGrpSpPr>
+      <p:grpSpPr>
+        <a:xfrm>
+          <a:off x="0" y="0"/>
+          <a:ext cx="0" cy="0"/>
+          <a:chOff x="0" y="0"/>
+          <a:chExt cx="0" cy="0"/>
+        </a:xfrm>
+      </p:grpSpPr>
+      <p:sp>
+        <p:nvSpPr>
+          <p:cNvPr id="8" name="Title 7">
+            <a:extLst>
+              <a:ext uri="{FF2B5EF4-FFF2-40B4-BE49-F238E27FC236}">
+                <a16:creationId xmlns:a16="http://schemas.microsoft.com/office/drawing/2014/main" id="{38C74A53-1F29-42A8-941A-26829DA9A57C}"/>
+              </a:ext>
+            </a:extLst>
+          </p:cNvPr>
+          <p:cNvSpPr>
+            <a:spLocks noGrp="1"/>
+          </p:cNvSpPr>
+          <p:nvPr>
+            <p:ph type="title"/>
+          </p:nvPr>
+        </p:nvSpPr>
+        <p:spPr>
+          <a:xfrm>
+            <a:off x="831850" y="1709738"/>
+            <a:ext cx="6416278" cy="2852737"/>
+          </a:xfrm>
+        </p:spPr>
+        <p:txBody>
+          <a:bodyPr/>
+          <a:lstStyle/>
+          <a:p>
+            <a:r>
+              <a:rPr lang="en-US" sz="7200" dirty="0" err="1"/>
+              <a:t>ParallELism</a:t>
+            </a:r>
+            <a:r>
+              <a:rPr lang="en-US" sz="7200" dirty="0"/>
+              <a:t> in Rcpp</a:t>
+            </a:r>
+          </a:p>
+        </p:txBody>
+      </p:sp>
+      <p:sp>
+        <p:nvSpPr>
+          <p:cNvPr id="9" name="Text Placeholder 8">
+            <a:extLst>
+              <a:ext uri="{FF2B5EF4-FFF2-40B4-BE49-F238E27FC236}">
+                <a16:creationId xmlns:a16="http://schemas.microsoft.com/office/drawing/2014/main" id="{332E2DC9-8E0C-4EEA-BE23-F4B7D43C4767}"/>
+              </a:ext>
+            </a:extLst>
+          </p:cNvPr>
+          <p:cNvSpPr>
+            <a:spLocks noGrp="1"/>
+          </p:cNvSpPr>
+          <p:nvPr>
+            <p:ph type="body" idx="1"/>
+          </p:nvPr>
+        </p:nvSpPr>
+        <p:spPr/>
+        <p:txBody>
+          <a:bodyPr/>
+          <a:lstStyle/>
+          <a:p>
+            <a:r>
+              <a:rPr lang="en-US" dirty="0">
+                <a:solidFill>
+                  <a:schemeClr val="tx2">
+                    <a:lumMod val="60000"/>
+                    <a:lumOff val="40000"/>
+                  </a:schemeClr>
+                </a:solidFill>
+              </a:rPr>
+              <a:t>OpenMP and RcppParallel</a:t>
+            </a:r>
+          </a:p>
+        </p:txBody>
+      </p:sp>
+      <p:sp>
+        <p:nvSpPr>
+          <p:cNvPr id="4" name="Date Placeholder 3">
+            <a:extLst>
+              <a:ext uri="{FF2B5EF4-FFF2-40B4-BE49-F238E27FC236}">
+                <a16:creationId xmlns:a16="http://schemas.microsoft.com/office/drawing/2014/main" id="{3722A5F7-2F52-4ED1-8DE4-27E7A610EC45}"/>
+              </a:ext>
+            </a:extLst>
+          </p:cNvPr>
+          <p:cNvSpPr>
+            <a:spLocks noGrp="1"/>
+          </p:cNvSpPr>
+          <p:nvPr>
+            <p:ph type="dt" sz="half" idx="10"/>
+          </p:nvPr>
+        </p:nvSpPr>
+        <p:spPr/>
+        <p:txBody>
+          <a:bodyPr/>
+          <a:lstStyle/>
+          <a:p>
+            <a:r>
+              <a:rPr lang="en-US" dirty="0"/>
+              <a:t>2019/01/09</a:t>
+            </a:r>
+          </a:p>
+        </p:txBody>
+      </p:sp>
+      <p:sp>
+        <p:nvSpPr>
+          <p:cNvPr id="5" name="Footer Placeholder 4">
+            <a:extLst>
+              <a:ext uri="{FF2B5EF4-FFF2-40B4-BE49-F238E27FC236}">
+                <a16:creationId xmlns:a16="http://schemas.microsoft.com/office/drawing/2014/main" id="{41FB9D0B-F37B-4D33-9EE0-528DAFFFA064}"/>
+              </a:ext>
+            </a:extLst>
+          </p:cNvPr>
+          <p:cNvSpPr>
+            <a:spLocks noGrp="1"/>
+          </p:cNvSpPr>
+          <p:nvPr>
+            <p:ph type="ftr" sz="quarter" idx="11"/>
+          </p:nvPr>
+        </p:nvSpPr>
+        <p:spPr/>
+        <p:txBody>
+          <a:bodyPr/>
+          <a:lstStyle/>
+          <a:p>
+            <a:r>
+              <a:rPr lang="en-US" dirty="0"/>
+              <a:t>RcppArmadillo and Parallelism in Rcpp</a:t>
+            </a:r>
+          </a:p>
+        </p:txBody>
+      </p:sp>
+      <p:sp>
+        <p:nvSpPr>
+          <p:cNvPr id="6" name="Slide Number Placeholder 5">
+            <a:extLst>
+              <a:ext uri="{FF2B5EF4-FFF2-40B4-BE49-F238E27FC236}">
+                <a16:creationId xmlns:a16="http://schemas.microsoft.com/office/drawing/2014/main" id="{292E4D77-97A4-4E80-B1B2-17A544F0B6CB}"/>
+              </a:ext>
+            </a:extLst>
+          </p:cNvPr>
+          <p:cNvSpPr>
+            <a:spLocks noGrp="1"/>
+          </p:cNvSpPr>
+          <p:nvPr>
+            <p:ph type="sldNum" sz="quarter" idx="12"/>
+          </p:nvPr>
+        </p:nvSpPr>
+        <p:spPr/>
+        <p:txBody>
+          <a:bodyPr/>
+          <a:lstStyle/>
+          <a:p>
+            <a:fld id="{D325CB3F-26C9-44D7-A7CB-40F86C5CE4B1}" type="slidenum">
+              <a:rPr lang="en-US" smtClean="0"/>
+              <a:t>15</a:t>
+            </a:fld>
+            <a:endParaRPr lang="en-US"/>
+          </a:p>
+        </p:txBody>
+      </p:sp>
+    </p:spTree>
+    <p:extLst>
+      <p:ext uri="{BB962C8B-B14F-4D97-AF65-F5344CB8AC3E}">
+        <p14:creationId xmlns:p14="http://schemas.microsoft.com/office/powerpoint/2010/main" val="3811818718"/>
+      </p:ext>
+    </p:extLst>
+  </p:cSld>
+  <p:clrMapOvr>
+    <a:masterClrMapping/>
+  </p:clrMapOvr>
+</p:sld>
+</file>
+
+<file path=ppt/slides/slide16.xml><?xml version="1.0" encoding="utf-8"?>
+<p:sld xmlns:a="http://schemas.openxmlformats.org/drawingml/2006/main" xmlns:r="http://schemas.openxmlformats.org/officeDocument/2006/relationships" xmlns:p="http://schemas.openxmlformats.org/presentationml/2006/main">
+  <p:cSld>
+    <p:spTree>
+      <p:nvGrpSpPr>
+        <p:cNvPr id="1" name=""/>
+        <p:cNvGrpSpPr/>
+        <p:nvPr/>
+      </p:nvGrpSpPr>
+      <p:grpSpPr>
+        <a:xfrm>
+          <a:off x="0" y="0"/>
+          <a:ext cx="0" cy="0"/>
+          <a:chOff x="0" y="0"/>
+          <a:chExt cx="0" cy="0"/>
+        </a:xfrm>
+      </p:grpSpPr>
+      <p:sp>
+        <p:nvSpPr>
+          <p:cNvPr id="2" name="Title 1">
+            <a:extLst>
+              <a:ext uri="{FF2B5EF4-FFF2-40B4-BE49-F238E27FC236}">
+                <a16:creationId xmlns:a16="http://schemas.microsoft.com/office/drawing/2014/main" id="{59DB24B3-48DD-48E6-978C-2F49061F9A33}"/>
+              </a:ext>
+            </a:extLst>
+          </p:cNvPr>
+          <p:cNvSpPr>
+            <a:spLocks noGrp="1"/>
+          </p:cNvSpPr>
+          <p:nvPr>
+            <p:ph type="title"/>
+          </p:nvPr>
+        </p:nvSpPr>
+        <p:spPr/>
+        <p:txBody>
+          <a:bodyPr/>
+          <a:lstStyle/>
+          <a:p>
+            <a:r>
+              <a:rPr lang="en-US" altLang="zh-TW" dirty="0"/>
+              <a:t>Parallelism in Rcpp</a:t>
+            </a:r>
+            <a:endParaRPr lang="en-US" dirty="0"/>
+          </a:p>
+        </p:txBody>
+      </p:sp>
+      <p:sp>
+        <p:nvSpPr>
+          <p:cNvPr id="3" name="Content Placeholder 2">
+            <a:extLst>
+              <a:ext uri="{FF2B5EF4-FFF2-40B4-BE49-F238E27FC236}">
+                <a16:creationId xmlns:a16="http://schemas.microsoft.com/office/drawing/2014/main" id="{1412D033-4F8D-465C-AA43-8BCD62F5F15E}"/>
+              </a:ext>
+            </a:extLst>
+          </p:cNvPr>
+          <p:cNvSpPr>
+            <a:spLocks noGrp="1"/>
+          </p:cNvSpPr>
+          <p:nvPr>
+            <p:ph idx="1"/>
+          </p:nvPr>
+        </p:nvSpPr>
+        <p:spPr/>
+        <p:txBody>
+          <a:bodyPr>
+            <a:normAutofit/>
+          </a:bodyPr>
+          <a:lstStyle/>
+          <a:p>
+            <a:pPr>
+              <a:lnSpc>
+                <a:spcPct val="110000"/>
+              </a:lnSpc>
+            </a:pPr>
+            <a:r>
+              <a:rPr lang="en-US" sz="3200" dirty="0"/>
+              <a:t>First question, why we use C++?</a:t>
+            </a:r>
+          </a:p>
+          <a:p>
+            <a:pPr lvl="1">
+              <a:lnSpc>
+                <a:spcPct val="110000"/>
+              </a:lnSpc>
+            </a:pPr>
+            <a:r>
+              <a:rPr lang="en-US" sz="2800" dirty="0"/>
+              <a:t>It outperforms R in most cases.</a:t>
+            </a:r>
+          </a:p>
+          <a:p>
+            <a:pPr lvl="1">
+              <a:lnSpc>
+                <a:spcPct val="110000"/>
+              </a:lnSpc>
+            </a:pPr>
+            <a:r>
+              <a:rPr lang="en-US" sz="2800" dirty="0"/>
+              <a:t>C and Fortran are more difficult to use for most people.</a:t>
+            </a:r>
+          </a:p>
+          <a:p>
+            <a:pPr lvl="1">
+              <a:lnSpc>
+                <a:spcPct val="110000"/>
+              </a:lnSpc>
+            </a:pPr>
+            <a:r>
+              <a:rPr lang="en-US" sz="2800" dirty="0"/>
+              <a:t>There are many libraries in C++ to accelerate computing with matrices like Armadillo, Eigen, boost, MLPACK.</a:t>
+            </a:r>
+          </a:p>
+          <a:p>
+            <a:pPr lvl="2">
+              <a:lnSpc>
+                <a:spcPct val="110000"/>
+              </a:lnSpc>
+            </a:pPr>
+            <a:r>
+              <a:rPr lang="en-US" sz="2000" dirty="0"/>
+              <a:t>You can find more libraries at </a:t>
+            </a:r>
+            <a:r>
+              <a:rPr lang="en-US" sz="2000" dirty="0">
+                <a:hlinkClick r:id="rId2"/>
+              </a:rPr>
+              <a:t>https://en.cppreference.com/w/cpp/links/libs</a:t>
+            </a:r>
+            <a:endParaRPr lang="en-US" sz="2000" dirty="0"/>
+          </a:p>
+        </p:txBody>
+      </p:sp>
+      <p:sp>
+        <p:nvSpPr>
+          <p:cNvPr id="4" name="Date Placeholder 3">
+            <a:extLst>
+              <a:ext uri="{FF2B5EF4-FFF2-40B4-BE49-F238E27FC236}">
+                <a16:creationId xmlns:a16="http://schemas.microsoft.com/office/drawing/2014/main" id="{01C0B020-7EC4-4CA4-A17D-8B28F31F94AF}"/>
+              </a:ext>
+            </a:extLst>
+          </p:cNvPr>
+          <p:cNvSpPr>
+            <a:spLocks noGrp="1"/>
+          </p:cNvSpPr>
+          <p:nvPr>
+            <p:ph type="dt" sz="half" idx="10"/>
+          </p:nvPr>
+        </p:nvSpPr>
+        <p:spPr/>
+        <p:txBody>
+          <a:bodyPr/>
+          <a:lstStyle/>
+          <a:p>
+            <a:r>
+              <a:rPr lang="en-US" dirty="0"/>
+              <a:t>2019/01/09</a:t>
+            </a:r>
+          </a:p>
+        </p:txBody>
+      </p:sp>
+      <p:sp>
+        <p:nvSpPr>
+          <p:cNvPr id="5" name="Footer Placeholder 4">
+            <a:extLst>
+              <a:ext uri="{FF2B5EF4-FFF2-40B4-BE49-F238E27FC236}">
+                <a16:creationId xmlns:a16="http://schemas.microsoft.com/office/drawing/2014/main" id="{6AB05C47-FD47-4EA8-A60E-F9868B417B9D}"/>
+              </a:ext>
+            </a:extLst>
+          </p:cNvPr>
+          <p:cNvSpPr>
+            <a:spLocks noGrp="1"/>
+          </p:cNvSpPr>
+          <p:nvPr>
+            <p:ph type="ftr" sz="quarter" idx="11"/>
+          </p:nvPr>
+        </p:nvSpPr>
+        <p:spPr/>
+        <p:txBody>
+          <a:bodyPr/>
+          <a:lstStyle/>
+          <a:p>
+            <a:r>
+              <a:rPr lang="en-US" dirty="0"/>
+              <a:t>RcppArmadillo and Parallelism in Rcpp</a:t>
+            </a:r>
+          </a:p>
+        </p:txBody>
+      </p:sp>
+      <p:sp>
+        <p:nvSpPr>
+          <p:cNvPr id="6" name="Slide Number Placeholder 5">
+            <a:extLst>
+              <a:ext uri="{FF2B5EF4-FFF2-40B4-BE49-F238E27FC236}">
+                <a16:creationId xmlns:a16="http://schemas.microsoft.com/office/drawing/2014/main" id="{E3776708-913B-4997-BCD5-FF5BE7DF298F}"/>
+              </a:ext>
+            </a:extLst>
+          </p:cNvPr>
+          <p:cNvSpPr>
+            <a:spLocks noGrp="1"/>
+          </p:cNvSpPr>
+          <p:nvPr>
+            <p:ph type="sldNum" sz="quarter" idx="12"/>
+          </p:nvPr>
+        </p:nvSpPr>
+        <p:spPr/>
+        <p:txBody>
+          <a:bodyPr/>
+          <a:lstStyle/>
+          <a:p>
+            <a:fld id="{D325CB3F-26C9-44D7-A7CB-40F86C5CE4B1}" type="slidenum">
+              <a:rPr lang="en-US" smtClean="0"/>
+              <a:t>16</a:t>
+            </a:fld>
+            <a:endParaRPr lang="en-US"/>
+          </a:p>
+        </p:txBody>
+      </p:sp>
+      <p:sp>
+        <p:nvSpPr>
+          <p:cNvPr id="7" name="Text Placeholder 6">
+            <a:extLst>
+              <a:ext uri="{FF2B5EF4-FFF2-40B4-BE49-F238E27FC236}">
+                <a16:creationId xmlns:a16="http://schemas.microsoft.com/office/drawing/2014/main" id="{5550E964-4F6F-4C1B-BB6A-C9C52FDC414D}"/>
+              </a:ext>
+            </a:extLst>
+          </p:cNvPr>
+          <p:cNvSpPr>
+            <a:spLocks noGrp="1"/>
+          </p:cNvSpPr>
+          <p:nvPr>
+            <p:ph type="body" sz="quarter" idx="13"/>
+          </p:nvPr>
+        </p:nvSpPr>
+        <p:spPr/>
+        <p:txBody>
+          <a:bodyPr/>
+          <a:lstStyle/>
+          <a:p>
+            <a:r>
+              <a:rPr lang="en-US" altLang="zh-TW" dirty="0"/>
+              <a:t>5</a:t>
+            </a:r>
+            <a:endParaRPr lang="en-US" dirty="0"/>
+          </a:p>
+        </p:txBody>
+      </p:sp>
+    </p:spTree>
+    <p:extLst>
+      <p:ext uri="{BB962C8B-B14F-4D97-AF65-F5344CB8AC3E}">
+        <p14:creationId xmlns:p14="http://schemas.microsoft.com/office/powerpoint/2010/main" val="3926937903"/>
+      </p:ext>
+    </p:extLst>
+  </p:cSld>
+  <p:clrMapOvr>
+    <a:masterClrMapping/>
+  </p:clrMapOvr>
+</p:sld>
+</file>
+
+<file path=ppt/slides/slide17.xml><?xml version="1.0" encoding="utf-8"?>
+<p:sld xmlns:a="http://schemas.openxmlformats.org/drawingml/2006/main" xmlns:r="http://schemas.openxmlformats.org/officeDocument/2006/relationships" xmlns:p="http://schemas.openxmlformats.org/presentationml/2006/main">
+  <p:cSld>
+    <p:spTree>
+      <p:nvGrpSpPr>
+        <p:cNvPr id="1" name=""/>
+        <p:cNvGrpSpPr/>
+        <p:nvPr/>
+      </p:nvGrpSpPr>
+      <p:grpSpPr>
+        <a:xfrm>
+          <a:off x="0" y="0"/>
+          <a:ext cx="0" cy="0"/>
+          <a:chOff x="0" y="0"/>
+          <a:chExt cx="0" cy="0"/>
+        </a:xfrm>
+      </p:grpSpPr>
+      <p:sp>
+        <p:nvSpPr>
+          <p:cNvPr id="2" name="Title 1">
+            <a:extLst>
+              <a:ext uri="{FF2B5EF4-FFF2-40B4-BE49-F238E27FC236}">
+                <a16:creationId xmlns:a16="http://schemas.microsoft.com/office/drawing/2014/main" id="{20F739D1-57B8-4267-BC05-D5251E801F99}"/>
+              </a:ext>
+            </a:extLst>
+          </p:cNvPr>
+          <p:cNvSpPr>
+            <a:spLocks noGrp="1"/>
+          </p:cNvSpPr>
+          <p:nvPr>
+            <p:ph type="title"/>
+          </p:nvPr>
+        </p:nvSpPr>
+        <p:spPr/>
+        <p:txBody>
+          <a:bodyPr/>
+          <a:lstStyle/>
+          <a:p>
+            <a:r>
+              <a:rPr lang="en-US" dirty="0"/>
+              <a:t>After this lesson…</a:t>
+            </a:r>
+          </a:p>
+        </p:txBody>
+      </p:sp>
+      <p:sp>
+        <p:nvSpPr>
+          <p:cNvPr id="3" name="Content Placeholder 2">
+            <a:extLst>
+              <a:ext uri="{FF2B5EF4-FFF2-40B4-BE49-F238E27FC236}">
+                <a16:creationId xmlns:a16="http://schemas.microsoft.com/office/drawing/2014/main" id="{ADE2E475-EAA6-4F16-9D90-81EB5FCF7AB8}"/>
+              </a:ext>
+            </a:extLst>
+          </p:cNvPr>
+          <p:cNvSpPr>
+            <a:spLocks noGrp="1"/>
+          </p:cNvSpPr>
+          <p:nvPr>
+            <p:ph idx="1"/>
+          </p:nvPr>
+        </p:nvSpPr>
+        <p:spPr/>
+        <p:txBody>
+          <a:bodyPr/>
+          <a:lstStyle/>
+          <a:p>
+            <a:r>
+              <a:rPr lang="en-US" b="1" dirty="0"/>
+              <a:t>There are a lot of R packages under Rcpp framework, i.e.</a:t>
+            </a:r>
+          </a:p>
+          <a:p>
+            <a:pPr lvl="1"/>
+            <a:r>
+              <a:rPr lang="en-US" b="1" dirty="0">
+                <a:hlinkClick r:id="rId2"/>
+              </a:rPr>
+              <a:t>BH</a:t>
+            </a:r>
+            <a:r>
+              <a:rPr lang="en-US" b="1" dirty="0"/>
+              <a:t> – Provides boost header</a:t>
+            </a:r>
+          </a:p>
+          <a:p>
+            <a:pPr lvl="1"/>
+            <a:r>
+              <a:rPr lang="en-US" b="1" dirty="0">
+                <a:hlinkClick r:id="rId3"/>
+              </a:rPr>
+              <a:t>RcppMLPACK</a:t>
+            </a:r>
+            <a:r>
+              <a:rPr lang="en-US" b="1" dirty="0"/>
+              <a:t> – Integrate MLPACK library</a:t>
+            </a:r>
+            <a:endParaRPr lang="en-US" b="1" dirty="0">
+              <a:hlinkClick r:id="rId4"/>
+            </a:endParaRPr>
+          </a:p>
+          <a:p>
+            <a:pPr lvl="1"/>
+            <a:r>
+              <a:rPr lang="en-US" b="1" dirty="0">
+                <a:hlinkClick r:id="rId4"/>
+              </a:rPr>
+              <a:t>RcppNumerical</a:t>
+            </a:r>
+            <a:r>
+              <a:rPr lang="en-US" b="1" dirty="0"/>
+              <a:t> – Integrate Numerical Computing Libraries</a:t>
+            </a:r>
+          </a:p>
+          <a:p>
+            <a:pPr lvl="1"/>
+            <a:endParaRPr lang="en-US" dirty="0"/>
+          </a:p>
+          <a:p>
+            <a:endParaRPr lang="en-US" dirty="0"/>
+          </a:p>
+        </p:txBody>
+      </p:sp>
+      <p:sp>
+        <p:nvSpPr>
+          <p:cNvPr id="4" name="Date Placeholder 3">
+            <a:extLst>
+              <a:ext uri="{FF2B5EF4-FFF2-40B4-BE49-F238E27FC236}">
+                <a16:creationId xmlns:a16="http://schemas.microsoft.com/office/drawing/2014/main" id="{52AC9B80-0C15-4857-AA2D-F95C2C346A1D}"/>
+              </a:ext>
+            </a:extLst>
+          </p:cNvPr>
+          <p:cNvSpPr>
+            <a:spLocks noGrp="1"/>
+          </p:cNvSpPr>
+          <p:nvPr>
+            <p:ph type="dt" sz="half" idx="10"/>
+          </p:nvPr>
+        </p:nvSpPr>
+        <p:spPr/>
+        <p:txBody>
+          <a:bodyPr/>
+          <a:lstStyle/>
+          <a:p>
+            <a:r>
+              <a:rPr lang="en-US" dirty="0"/>
+              <a:t>2019/01/09</a:t>
+            </a:r>
+          </a:p>
+        </p:txBody>
+      </p:sp>
+      <p:sp>
+        <p:nvSpPr>
+          <p:cNvPr id="5" name="Footer Placeholder 4">
+            <a:extLst>
+              <a:ext uri="{FF2B5EF4-FFF2-40B4-BE49-F238E27FC236}">
+                <a16:creationId xmlns:a16="http://schemas.microsoft.com/office/drawing/2014/main" id="{83E6B367-8DD9-4CFB-89DB-E8E64FBE8CCE}"/>
+              </a:ext>
+            </a:extLst>
+          </p:cNvPr>
+          <p:cNvSpPr>
+            <a:spLocks noGrp="1"/>
+          </p:cNvSpPr>
+          <p:nvPr>
+            <p:ph type="ftr" sz="quarter" idx="11"/>
+          </p:nvPr>
+        </p:nvSpPr>
+        <p:spPr/>
+        <p:txBody>
+          <a:bodyPr/>
+          <a:lstStyle/>
+          <a:p>
+            <a:r>
+              <a:rPr lang="en-US" dirty="0"/>
+              <a:t>RcppArmadillo and Parallelism in Rcpp</a:t>
+            </a:r>
+          </a:p>
+        </p:txBody>
+      </p:sp>
+      <p:sp>
+        <p:nvSpPr>
+          <p:cNvPr id="6" name="Slide Number Placeholder 5">
+            <a:extLst>
+              <a:ext uri="{FF2B5EF4-FFF2-40B4-BE49-F238E27FC236}">
+                <a16:creationId xmlns:a16="http://schemas.microsoft.com/office/drawing/2014/main" id="{41246418-F9FE-4A6B-9B5E-B05AE82B13E0}"/>
+              </a:ext>
+            </a:extLst>
+          </p:cNvPr>
+          <p:cNvSpPr>
+            <a:spLocks noGrp="1"/>
+          </p:cNvSpPr>
+          <p:nvPr>
+            <p:ph type="sldNum" sz="quarter" idx="12"/>
+          </p:nvPr>
+        </p:nvSpPr>
+        <p:spPr/>
+        <p:txBody>
+          <a:bodyPr/>
+          <a:lstStyle/>
+          <a:p>
+            <a:fld id="{D325CB3F-26C9-44D7-A7CB-40F86C5CE4B1}" type="slidenum">
+              <a:rPr lang="en-US" smtClean="0"/>
+              <a:t>17</a:t>
             </a:fld>
             <a:endParaRPr lang="en-US"/>
           </a:p>
@@ -20215,7 +22628,7 @@
 </p:sld>
 </file>
 
-<file path=ppt/slides/slide14.xml><?xml version="1.0" encoding="utf-8"?>
+<file path=ppt/slides/slide18.xml><?xml version="1.0" encoding="utf-8"?>
 <p:sld xmlns:a="http://schemas.openxmlformats.org/drawingml/2006/main" xmlns:r="http://schemas.openxmlformats.org/officeDocument/2006/relationships" xmlns:p="http://schemas.openxmlformats.org/presentationml/2006/main">
   <p:cSld>
     <p:spTree>
@@ -22616,7 +25029,7 @@
 </p:sld>
 </file>
 
-<file path=ppt/slides/slide15.xml><?xml version="1.0" encoding="utf-8"?>
+<file path=ppt/slides/slide19.xml><?xml version="1.0" encoding="utf-8"?>
 <p:sld xmlns:a="http://schemas.openxmlformats.org/drawingml/2006/main" xmlns:r="http://schemas.openxmlformats.org/officeDocument/2006/relationships" xmlns:p="http://schemas.openxmlformats.org/presentationml/2006/main">
   <p:cSld>
     <p:spTree>
@@ -22807,6 +25220,76 @@
               <a:buFont typeface="+mj-lt"/>
               <a:buAutoNum type="arabicPeriod"/>
             </a:pPr>
+            <a:r>
+              <a:rPr lang="en-US" sz="1400" dirty="0">
+                <a:hlinkClick r:id="rId7"/>
+              </a:rPr>
+              <a:t>http://arma.sourceforge.net/docs.html</a:t>
+            </a:r>
+            <a:endParaRPr lang="en-US" sz="1400" dirty="0"/>
+          </a:p>
+          <a:p>
+            <a:pPr marL="182880" indent="-182880">
+              <a:spcBef>
+                <a:spcPts val="600"/>
+              </a:spcBef>
+              <a:spcAft>
+                <a:spcPts val="600"/>
+              </a:spcAft>
+              <a:buFont typeface="+mj-lt"/>
+              <a:buAutoNum type="arabicPeriod"/>
+            </a:pPr>
+            <a:r>
+              <a:rPr lang="en-US" sz="1400" dirty="0">
+                <a:hlinkClick r:id="rId8"/>
+              </a:rPr>
+              <a:t>https://github.com/ChingChuan-Chen/milr/blob/master/src/milr.cpp</a:t>
+            </a:r>
+            <a:endParaRPr lang="en-US" sz="1400" dirty="0"/>
+          </a:p>
+          <a:p>
+            <a:pPr marL="182880" indent="-182880">
+              <a:spcBef>
+                <a:spcPts val="600"/>
+              </a:spcBef>
+              <a:spcAft>
+                <a:spcPts val="600"/>
+              </a:spcAft>
+              <a:buFont typeface="+mj-lt"/>
+              <a:buAutoNum type="arabicPeriod"/>
+            </a:pPr>
+            <a:r>
+              <a:rPr lang="en-US" sz="1400" dirty="0">
+                <a:hlinkClick r:id="rId9"/>
+              </a:rPr>
+              <a:t>https://github.com/RcppCore/RcppArmadillo/blob/master/inst/examples/fastLm.r</a:t>
+            </a:r>
+            <a:endParaRPr lang="en-US" sz="1400" dirty="0"/>
+          </a:p>
+          <a:p>
+            <a:pPr marL="182880" indent="-182880">
+              <a:spcBef>
+                <a:spcPts val="600"/>
+              </a:spcBef>
+              <a:spcAft>
+                <a:spcPts val="600"/>
+              </a:spcAft>
+              <a:buFont typeface="+mj-lt"/>
+              <a:buAutoNum type="arabicPeriod"/>
+            </a:pPr>
+            <a:endParaRPr lang="en-US" sz="1400" dirty="0"/>
+          </a:p>
+          <a:p>
+            <a:pPr marL="182880" indent="-182880">
+              <a:spcBef>
+                <a:spcPts val="600"/>
+              </a:spcBef>
+              <a:spcAft>
+                <a:spcPts val="600"/>
+              </a:spcAft>
+              <a:buFont typeface="+mj-lt"/>
+              <a:buAutoNum type="arabicPeriod"/>
+            </a:pPr>
             <a:endParaRPr lang="en-US" sz="1400" dirty="0"/>
           </a:p>
         </p:txBody>
@@ -22833,10 +25316,9 @@
           <a:lstStyle/>
           <a:p>
             <a:r>
-              <a:rPr lang="en-US"/>
-              <a:t>2019/01/03</a:t>
-            </a:r>
-            <a:endParaRPr lang="en-US" dirty="0"/>
+              <a:rPr lang="en-US" dirty="0"/>
+              <a:t>2019/01/09</a:t>
+            </a:r>
           </a:p>
         </p:txBody>
       </p:sp>
@@ -22891,7 +25373,7 @@
           <a:p>
             <a:fld id="{D325CB3F-26C9-44D7-A7CB-40F86C5CE4B1}" type="slidenum">
               <a:rPr lang="en-US" smtClean="0"/>
-              <a:t>15</a:t>
+              <a:t>19</a:t>
             </a:fld>
             <a:endParaRPr lang="en-US"/>
           </a:p>
@@ -25324,7 +27806,7 @@
           <a:p>
             <a:r>
               <a:rPr lang="en-US" dirty="0"/>
-              <a:t>2019/01/04</a:t>
+              <a:t>2019/01/09</a:t>
             </a:r>
           </a:p>
         </p:txBody>
@@ -28349,6 +30831,827 @@
 </p:sld>
 </file>
 
+<file path=ppt/slides/slide20.xml><?xml version="1.0" encoding="utf-8"?>
+<p:sld xmlns:a="http://schemas.openxmlformats.org/drawingml/2006/main" xmlns:r="http://schemas.openxmlformats.org/officeDocument/2006/relationships" xmlns:p="http://schemas.openxmlformats.org/presentationml/2006/main">
+  <p:cSld>
+    <p:spTree>
+      <p:nvGrpSpPr>
+        <p:cNvPr id="1" name=""/>
+        <p:cNvGrpSpPr/>
+        <p:nvPr/>
+      </p:nvGrpSpPr>
+      <p:grpSpPr>
+        <a:xfrm>
+          <a:off x="0" y="0"/>
+          <a:ext cx="0" cy="0"/>
+          <a:chOff x="0" y="0"/>
+          <a:chExt cx="0" cy="0"/>
+        </a:xfrm>
+      </p:grpSpPr>
+      <p:sp>
+        <p:nvSpPr>
+          <p:cNvPr id="7" name="Title 6">
+            <a:extLst>
+              <a:ext uri="{FF2B5EF4-FFF2-40B4-BE49-F238E27FC236}">
+                <a16:creationId xmlns:a16="http://schemas.microsoft.com/office/drawing/2014/main" id="{44CD1394-85C4-4CC1-B51D-D8EEA7A08E7E}"/>
+              </a:ext>
+            </a:extLst>
+          </p:cNvPr>
+          <p:cNvSpPr>
+            <a:spLocks noGrp="1"/>
+          </p:cNvSpPr>
+          <p:nvPr>
+            <p:ph type="title"/>
+          </p:nvPr>
+        </p:nvSpPr>
+        <p:spPr/>
+        <p:txBody>
+          <a:bodyPr/>
+          <a:lstStyle/>
+          <a:p>
+            <a:r>
+              <a:rPr lang="en-US" dirty="0"/>
+              <a:t>MRO vs Official R</a:t>
+            </a:r>
+          </a:p>
+        </p:txBody>
+      </p:sp>
+      <p:sp>
+        <p:nvSpPr>
+          <p:cNvPr id="8" name="Content Placeholder 7">
+            <a:extLst>
+              <a:ext uri="{FF2B5EF4-FFF2-40B4-BE49-F238E27FC236}">
+                <a16:creationId xmlns:a16="http://schemas.microsoft.com/office/drawing/2014/main" id="{04D74BFB-BE59-4D8F-9A9E-FF0DB1A18C14}"/>
+              </a:ext>
+            </a:extLst>
+          </p:cNvPr>
+          <p:cNvSpPr>
+            <a:spLocks noGrp="1"/>
+          </p:cNvSpPr>
+          <p:nvPr>
+            <p:ph idx="1"/>
+          </p:nvPr>
+        </p:nvSpPr>
+        <p:spPr/>
+        <p:txBody>
+          <a:bodyPr/>
+          <a:lstStyle/>
+          <a:p>
+            <a:r>
+              <a:rPr lang="en-US" dirty="0"/>
+              <a:t>MRO (Microsoft R Open) is the enhanced distribution of R from Microsoft Corporation.</a:t>
+            </a:r>
+          </a:p>
+          <a:p>
+            <a:r>
+              <a:rPr lang="en-US" dirty="0"/>
+              <a:t>It includes multi-threaded math libraries (Intel MKL) to improve the performance of R.</a:t>
+            </a:r>
+          </a:p>
+          <a:p>
+            <a:r>
+              <a:rPr lang="en-US" dirty="0"/>
+              <a:t>Official R uses single-threaded BLAS/LAPACK libraries (ATLAS), so its performance on matrix multiply/inverse, matrix decomposition, and some higher-level matrix operations is slow.</a:t>
+            </a:r>
+          </a:p>
+        </p:txBody>
+      </p:sp>
+      <p:sp>
+        <p:nvSpPr>
+          <p:cNvPr id="4" name="Date Placeholder 3">
+            <a:extLst>
+              <a:ext uri="{FF2B5EF4-FFF2-40B4-BE49-F238E27FC236}">
+                <a16:creationId xmlns:a16="http://schemas.microsoft.com/office/drawing/2014/main" id="{7140A842-4A58-42A2-873F-275926410ECE}"/>
+              </a:ext>
+            </a:extLst>
+          </p:cNvPr>
+          <p:cNvSpPr>
+            <a:spLocks noGrp="1"/>
+          </p:cNvSpPr>
+          <p:nvPr>
+            <p:ph type="dt" sz="half" idx="10"/>
+          </p:nvPr>
+        </p:nvSpPr>
+        <p:spPr/>
+        <p:txBody>
+          <a:bodyPr/>
+          <a:lstStyle/>
+          <a:p>
+            <a:r>
+              <a:rPr lang="en-US" dirty="0"/>
+              <a:t>2019/01/09</a:t>
+            </a:r>
+          </a:p>
+        </p:txBody>
+      </p:sp>
+      <p:sp>
+        <p:nvSpPr>
+          <p:cNvPr id="5" name="Footer Placeholder 4">
+            <a:extLst>
+              <a:ext uri="{FF2B5EF4-FFF2-40B4-BE49-F238E27FC236}">
+                <a16:creationId xmlns:a16="http://schemas.microsoft.com/office/drawing/2014/main" id="{CAD929C9-655B-48C4-83A2-2C6ADE3F9130}"/>
+              </a:ext>
+            </a:extLst>
+          </p:cNvPr>
+          <p:cNvSpPr>
+            <a:spLocks noGrp="1"/>
+          </p:cNvSpPr>
+          <p:nvPr>
+            <p:ph type="ftr" sz="quarter" idx="11"/>
+          </p:nvPr>
+        </p:nvSpPr>
+        <p:spPr/>
+        <p:txBody>
+          <a:bodyPr/>
+          <a:lstStyle/>
+          <a:p>
+            <a:r>
+              <a:rPr lang="en-US" dirty="0" err="1"/>
+              <a:t>RcppArmadillo</a:t>
+            </a:r>
+            <a:r>
+              <a:rPr lang="en-US" dirty="0"/>
+              <a:t> and Parallelism in </a:t>
+            </a:r>
+            <a:r>
+              <a:rPr lang="en-US" dirty="0" err="1"/>
+              <a:t>Rcpp</a:t>
+            </a:r>
+            <a:endParaRPr lang="en-US" dirty="0"/>
+          </a:p>
+        </p:txBody>
+      </p:sp>
+      <p:sp>
+        <p:nvSpPr>
+          <p:cNvPr id="6" name="Slide Number Placeholder 5">
+            <a:extLst>
+              <a:ext uri="{FF2B5EF4-FFF2-40B4-BE49-F238E27FC236}">
+                <a16:creationId xmlns:a16="http://schemas.microsoft.com/office/drawing/2014/main" id="{0E24F2E1-62DF-4087-92C3-4C4B5E8A4298}"/>
+              </a:ext>
+            </a:extLst>
+          </p:cNvPr>
+          <p:cNvSpPr>
+            <a:spLocks noGrp="1"/>
+          </p:cNvSpPr>
+          <p:nvPr>
+            <p:ph type="sldNum" sz="quarter" idx="12"/>
+          </p:nvPr>
+        </p:nvSpPr>
+        <p:spPr/>
+        <p:txBody>
+          <a:bodyPr/>
+          <a:lstStyle/>
+          <a:p>
+            <a:fld id="{D325CB3F-26C9-44D7-A7CB-40F86C5CE4B1}" type="slidenum">
+              <a:rPr lang="en-US" smtClean="0"/>
+              <a:t>20</a:t>
+            </a:fld>
+            <a:endParaRPr lang="en-US"/>
+          </a:p>
+        </p:txBody>
+      </p:sp>
+    </p:spTree>
+    <p:extLst>
+      <p:ext uri="{BB962C8B-B14F-4D97-AF65-F5344CB8AC3E}">
+        <p14:creationId xmlns:p14="http://schemas.microsoft.com/office/powerpoint/2010/main" val="153957019"/>
+      </p:ext>
+    </p:extLst>
+  </p:cSld>
+  <p:clrMapOvr>
+    <a:masterClrMapping/>
+  </p:clrMapOvr>
+</p:sld>
+</file>
+
+<file path=ppt/slides/slide21.xml><?xml version="1.0" encoding="utf-8"?>
+<p:sld xmlns:a="http://schemas.openxmlformats.org/drawingml/2006/main" xmlns:r="http://schemas.openxmlformats.org/officeDocument/2006/relationships" xmlns:p="http://schemas.openxmlformats.org/presentationml/2006/main">
+  <p:cSld>
+    <p:spTree>
+      <p:nvGrpSpPr>
+        <p:cNvPr id="1" name=""/>
+        <p:cNvGrpSpPr/>
+        <p:nvPr/>
+      </p:nvGrpSpPr>
+      <p:grpSpPr>
+        <a:xfrm>
+          <a:off x="0" y="0"/>
+          <a:ext cx="0" cy="0"/>
+          <a:chOff x="0" y="0"/>
+          <a:chExt cx="0" cy="0"/>
+        </a:xfrm>
+      </p:grpSpPr>
+      <p:sp>
+        <p:nvSpPr>
+          <p:cNvPr id="2" name="Title 1">
+            <a:extLst>
+              <a:ext uri="{FF2B5EF4-FFF2-40B4-BE49-F238E27FC236}">
+                <a16:creationId xmlns:a16="http://schemas.microsoft.com/office/drawing/2014/main" id="{895D1D3D-AA2A-4B43-ABF9-FB965BEF41C3}"/>
+              </a:ext>
+            </a:extLst>
+          </p:cNvPr>
+          <p:cNvSpPr>
+            <a:spLocks noGrp="1"/>
+          </p:cNvSpPr>
+          <p:nvPr>
+            <p:ph type="title"/>
+          </p:nvPr>
+        </p:nvSpPr>
+        <p:spPr/>
+        <p:txBody>
+          <a:bodyPr/>
+          <a:lstStyle/>
+          <a:p>
+            <a:r>
+              <a:rPr lang="en-US" dirty="0"/>
+              <a:t>MRO vs Official R</a:t>
+            </a:r>
+          </a:p>
+        </p:txBody>
+      </p:sp>
+      <p:sp>
+        <p:nvSpPr>
+          <p:cNvPr id="3" name="Content Placeholder 2">
+            <a:extLst>
+              <a:ext uri="{FF2B5EF4-FFF2-40B4-BE49-F238E27FC236}">
+                <a16:creationId xmlns:a16="http://schemas.microsoft.com/office/drawing/2014/main" id="{90C8F28B-19EF-4700-9168-A4A58BAE71E0}"/>
+              </a:ext>
+            </a:extLst>
+          </p:cNvPr>
+          <p:cNvSpPr>
+            <a:spLocks noGrp="1"/>
+          </p:cNvSpPr>
+          <p:nvPr>
+            <p:ph idx="1"/>
+          </p:nvPr>
+        </p:nvSpPr>
+        <p:spPr/>
+        <p:txBody>
+          <a:bodyPr/>
+          <a:lstStyle/>
+          <a:p>
+            <a:pPr marL="0" indent="0">
+              <a:buNone/>
+            </a:pPr>
+            <a:r>
+              <a:rPr lang="en-US" dirty="0" err="1">
+                <a:latin typeface="Microsoft YaHei Mono" panose="020B0509020204020204" pitchFamily="49" charset="-122"/>
+                <a:ea typeface="Microsoft YaHei Mono" panose="020B0509020204020204" pitchFamily="49" charset="-122"/>
+              </a:rPr>
+              <a:t>install.packages</a:t>
+            </a:r>
+            <a:r>
+              <a:rPr lang="en-US" dirty="0">
+                <a:latin typeface="Microsoft YaHei Mono" panose="020B0509020204020204" pitchFamily="49" charset="-122"/>
+                <a:ea typeface="Microsoft YaHei Mono" panose="020B0509020204020204" pitchFamily="49" charset="-122"/>
+              </a:rPr>
+              <a:t>("</a:t>
+            </a:r>
+            <a:r>
+              <a:rPr lang="en-US" dirty="0" err="1">
+                <a:latin typeface="Microsoft YaHei Mono" panose="020B0509020204020204" pitchFamily="49" charset="-122"/>
+                <a:ea typeface="Microsoft YaHei Mono" panose="020B0509020204020204" pitchFamily="49" charset="-122"/>
+              </a:rPr>
+              <a:t>SuppDist</a:t>
+            </a:r>
+            <a:r>
+              <a:rPr lang="en-US" dirty="0">
+                <a:latin typeface="Microsoft YaHei Mono" panose="020B0509020204020204" pitchFamily="49" charset="-122"/>
+                <a:ea typeface="Microsoft YaHei Mono" panose="020B0509020204020204" pitchFamily="49" charset="-122"/>
+              </a:rPr>
+              <a:t>")</a:t>
+            </a:r>
+            <a:br>
+              <a:rPr lang="en-US" dirty="0">
+                <a:latin typeface="Microsoft YaHei Mono" panose="020B0509020204020204" pitchFamily="49" charset="-122"/>
+                <a:ea typeface="Microsoft YaHei Mono" panose="020B0509020204020204" pitchFamily="49" charset="-122"/>
+              </a:rPr>
+            </a:br>
+            <a:r>
+              <a:rPr lang="en-US" dirty="0">
+                <a:latin typeface="Microsoft YaHei Mono" panose="020B0509020204020204" pitchFamily="49" charset="-122"/>
+                <a:ea typeface="Microsoft YaHei Mono" panose="020B0509020204020204" pitchFamily="49" charset="-122"/>
+              </a:rPr>
+              <a:t>source("https://raw.githubusercontent.com/</a:t>
+            </a:r>
+            <a:r>
+              <a:rPr lang="en-US" dirty="0" err="1">
+                <a:latin typeface="Microsoft YaHei Mono" panose="020B0509020204020204" pitchFamily="49" charset="-122"/>
+                <a:ea typeface="Microsoft YaHei Mono" panose="020B0509020204020204" pitchFamily="49" charset="-122"/>
+              </a:rPr>
+              <a:t>jtalbot</a:t>
+            </a:r>
+            <a:r>
+              <a:rPr lang="en-US" dirty="0">
+                <a:latin typeface="Microsoft YaHei Mono" panose="020B0509020204020204" pitchFamily="49" charset="-122"/>
+                <a:ea typeface="Microsoft YaHei Mono" panose="020B0509020204020204" pitchFamily="49" charset="-122"/>
+              </a:rPr>
+              <a:t>/riposte/master/benchmarks/other/R-benchmark-25.R")</a:t>
+            </a:r>
+          </a:p>
+        </p:txBody>
+      </p:sp>
+      <p:sp>
+        <p:nvSpPr>
+          <p:cNvPr id="4" name="Date Placeholder 3">
+            <a:extLst>
+              <a:ext uri="{FF2B5EF4-FFF2-40B4-BE49-F238E27FC236}">
+                <a16:creationId xmlns:a16="http://schemas.microsoft.com/office/drawing/2014/main" id="{6BB0C36B-84D5-42D8-B00F-4A9C0A314C8E}"/>
+              </a:ext>
+            </a:extLst>
+          </p:cNvPr>
+          <p:cNvSpPr>
+            <a:spLocks noGrp="1"/>
+          </p:cNvSpPr>
+          <p:nvPr>
+            <p:ph type="dt" sz="half" idx="10"/>
+          </p:nvPr>
+        </p:nvSpPr>
+        <p:spPr/>
+        <p:txBody>
+          <a:bodyPr/>
+          <a:lstStyle/>
+          <a:p>
+            <a:r>
+              <a:rPr lang="en-US" dirty="0"/>
+              <a:t>2019/01/09</a:t>
+            </a:r>
+          </a:p>
+        </p:txBody>
+      </p:sp>
+      <p:sp>
+        <p:nvSpPr>
+          <p:cNvPr id="5" name="Footer Placeholder 4">
+            <a:extLst>
+              <a:ext uri="{FF2B5EF4-FFF2-40B4-BE49-F238E27FC236}">
+                <a16:creationId xmlns:a16="http://schemas.microsoft.com/office/drawing/2014/main" id="{18B10AA5-E3DA-4AA7-AB50-FE4940231E99}"/>
+              </a:ext>
+            </a:extLst>
+          </p:cNvPr>
+          <p:cNvSpPr>
+            <a:spLocks noGrp="1"/>
+          </p:cNvSpPr>
+          <p:nvPr>
+            <p:ph type="ftr" sz="quarter" idx="11"/>
+          </p:nvPr>
+        </p:nvSpPr>
+        <p:spPr/>
+        <p:txBody>
+          <a:bodyPr/>
+          <a:lstStyle/>
+          <a:p>
+            <a:r>
+              <a:rPr lang="en-US"/>
+              <a:t>RcppArmadillo and Parallelism in Rcpp</a:t>
+            </a:r>
+            <a:endParaRPr lang="en-US" dirty="0"/>
+          </a:p>
+        </p:txBody>
+      </p:sp>
+      <p:sp>
+        <p:nvSpPr>
+          <p:cNvPr id="6" name="Slide Number Placeholder 5">
+            <a:extLst>
+              <a:ext uri="{FF2B5EF4-FFF2-40B4-BE49-F238E27FC236}">
+                <a16:creationId xmlns:a16="http://schemas.microsoft.com/office/drawing/2014/main" id="{DC19DDA3-8C11-4C78-A8CE-FAAD9513C055}"/>
+              </a:ext>
+            </a:extLst>
+          </p:cNvPr>
+          <p:cNvSpPr>
+            <a:spLocks noGrp="1"/>
+          </p:cNvSpPr>
+          <p:nvPr>
+            <p:ph type="sldNum" sz="quarter" idx="12"/>
+          </p:nvPr>
+        </p:nvSpPr>
+        <p:spPr/>
+        <p:txBody>
+          <a:bodyPr/>
+          <a:lstStyle/>
+          <a:p>
+            <a:fld id="{D325CB3F-26C9-44D7-A7CB-40F86C5CE4B1}" type="slidenum">
+              <a:rPr lang="en-US" smtClean="0"/>
+              <a:t>21</a:t>
+            </a:fld>
+            <a:endParaRPr lang="en-US"/>
+          </a:p>
+        </p:txBody>
+      </p:sp>
+      <p:pic>
+        <p:nvPicPr>
+          <p:cNvPr id="7" name="Picture 6">
+            <a:extLst>
+              <a:ext uri="{FF2B5EF4-FFF2-40B4-BE49-F238E27FC236}">
+                <a16:creationId xmlns:a16="http://schemas.microsoft.com/office/drawing/2014/main" id="{B2101297-BD54-47D5-861D-9DB742DB0AD1}"/>
+              </a:ext>
+            </a:extLst>
+          </p:cNvPr>
+          <p:cNvPicPr>
+            <a:picLocks noChangeAspect="1"/>
+          </p:cNvPicPr>
+          <p:nvPr/>
+        </p:nvPicPr>
+        <p:blipFill>
+          <a:blip r:embed="rId2"/>
+          <a:stretch>
+            <a:fillRect/>
+          </a:stretch>
+        </p:blipFill>
+        <p:spPr>
+          <a:xfrm>
+            <a:off x="983432" y="4869160"/>
+            <a:ext cx="9649072" cy="603067"/>
+          </a:xfrm>
+          <a:prstGeom prst="rect">
+            <a:avLst/>
+          </a:prstGeom>
+        </p:spPr>
+      </p:pic>
+      <p:pic>
+        <p:nvPicPr>
+          <p:cNvPr id="8" name="Picture 7">
+            <a:extLst>
+              <a:ext uri="{FF2B5EF4-FFF2-40B4-BE49-F238E27FC236}">
+                <a16:creationId xmlns:a16="http://schemas.microsoft.com/office/drawing/2014/main" id="{568F304D-2132-49E0-8E9C-DB807646746C}"/>
+              </a:ext>
+            </a:extLst>
+          </p:cNvPr>
+          <p:cNvPicPr>
+            <a:picLocks noChangeAspect="1"/>
+          </p:cNvPicPr>
+          <p:nvPr/>
+        </p:nvPicPr>
+        <p:blipFill>
+          <a:blip r:embed="rId3"/>
+          <a:stretch>
+            <a:fillRect/>
+          </a:stretch>
+        </p:blipFill>
+        <p:spPr>
+          <a:xfrm>
+            <a:off x="983432" y="3717032"/>
+            <a:ext cx="9646920" cy="507987"/>
+          </a:xfrm>
+          <a:prstGeom prst="rect">
+            <a:avLst/>
+          </a:prstGeom>
+        </p:spPr>
+      </p:pic>
+      <p:sp>
+        <p:nvSpPr>
+          <p:cNvPr id="9" name="TextBox 8">
+            <a:extLst>
+              <a:ext uri="{FF2B5EF4-FFF2-40B4-BE49-F238E27FC236}">
+                <a16:creationId xmlns:a16="http://schemas.microsoft.com/office/drawing/2014/main" id="{A8BF3F85-22AD-4AB7-A782-57FD58D20CBC}"/>
+              </a:ext>
+            </a:extLst>
+          </p:cNvPr>
+          <p:cNvSpPr txBox="1"/>
+          <p:nvPr/>
+        </p:nvSpPr>
+        <p:spPr>
+          <a:xfrm>
+            <a:off x="623392" y="3302853"/>
+            <a:ext cx="1193917" cy="369332"/>
+          </a:xfrm>
+          <a:prstGeom prst="rect">
+            <a:avLst/>
+          </a:prstGeom>
+          <a:noFill/>
+        </p:spPr>
+        <p:txBody>
+          <a:bodyPr wrap="none" rtlCol="0">
+            <a:spAutoFit/>
+          </a:bodyPr>
+          <a:lstStyle/>
+          <a:p>
+            <a:r>
+              <a:rPr lang="en-US" dirty="0"/>
+              <a:t>MRO-3.4.4</a:t>
+            </a:r>
+          </a:p>
+        </p:txBody>
+      </p:sp>
+      <p:sp>
+        <p:nvSpPr>
+          <p:cNvPr id="10" name="TextBox 9">
+            <a:extLst>
+              <a:ext uri="{FF2B5EF4-FFF2-40B4-BE49-F238E27FC236}">
+                <a16:creationId xmlns:a16="http://schemas.microsoft.com/office/drawing/2014/main" id="{2800DF0C-59C0-47DF-8B0F-EF24E6BE07AC}"/>
+              </a:ext>
+            </a:extLst>
+          </p:cNvPr>
+          <p:cNvSpPr txBox="1"/>
+          <p:nvPr/>
+        </p:nvSpPr>
+        <p:spPr>
+          <a:xfrm>
+            <a:off x="623391" y="4501002"/>
+            <a:ext cx="1557799" cy="369332"/>
+          </a:xfrm>
+          <a:prstGeom prst="rect">
+            <a:avLst/>
+          </a:prstGeom>
+          <a:noFill/>
+        </p:spPr>
+        <p:txBody>
+          <a:bodyPr wrap="none" rtlCol="0">
+            <a:spAutoFit/>
+          </a:bodyPr>
+          <a:lstStyle/>
+          <a:p>
+            <a:r>
+              <a:rPr lang="en-US" dirty="0"/>
+              <a:t>Official R-3.4.4</a:t>
+            </a:r>
+          </a:p>
+        </p:txBody>
+      </p:sp>
+    </p:spTree>
+    <p:extLst>
+      <p:ext uri="{BB962C8B-B14F-4D97-AF65-F5344CB8AC3E}">
+        <p14:creationId xmlns:p14="http://schemas.microsoft.com/office/powerpoint/2010/main" val="1881242238"/>
+      </p:ext>
+    </p:extLst>
+  </p:cSld>
+  <p:clrMapOvr>
+    <a:masterClrMapping/>
+  </p:clrMapOvr>
+</p:sld>
+</file>
+
+<file path=ppt/slides/slide22.xml><?xml version="1.0" encoding="utf-8"?>
+<p:sld xmlns:a="http://schemas.openxmlformats.org/drawingml/2006/main" xmlns:r="http://schemas.openxmlformats.org/officeDocument/2006/relationships" xmlns:p="http://schemas.openxmlformats.org/presentationml/2006/main">
+  <p:cSld>
+    <p:spTree>
+      <p:nvGrpSpPr>
+        <p:cNvPr id="1" name=""/>
+        <p:cNvGrpSpPr/>
+        <p:nvPr/>
+      </p:nvGrpSpPr>
+      <p:grpSpPr>
+        <a:xfrm>
+          <a:off x="0" y="0"/>
+          <a:ext cx="0" cy="0"/>
+          <a:chOff x="0" y="0"/>
+          <a:chExt cx="0" cy="0"/>
+        </a:xfrm>
+      </p:grpSpPr>
+      <p:sp>
+        <p:nvSpPr>
+          <p:cNvPr id="2" name="Title 1">
+            <a:extLst>
+              <a:ext uri="{FF2B5EF4-FFF2-40B4-BE49-F238E27FC236}">
+                <a16:creationId xmlns:a16="http://schemas.microsoft.com/office/drawing/2014/main" id="{3B5A1587-3CE8-40ED-8D1D-9B2236B8ABF1}"/>
+              </a:ext>
+            </a:extLst>
+          </p:cNvPr>
+          <p:cNvSpPr>
+            <a:spLocks noGrp="1"/>
+          </p:cNvSpPr>
+          <p:nvPr>
+            <p:ph type="title"/>
+          </p:nvPr>
+        </p:nvSpPr>
+        <p:spPr/>
+        <p:txBody>
+          <a:bodyPr/>
+          <a:lstStyle/>
+          <a:p>
+            <a:r>
+              <a:rPr lang="en-US" dirty="0"/>
+              <a:t>Eigen vs Armadillo</a:t>
+            </a:r>
+          </a:p>
+        </p:txBody>
+      </p:sp>
+      <p:sp>
+        <p:nvSpPr>
+          <p:cNvPr id="3" name="Content Placeholder 2">
+            <a:extLst>
+              <a:ext uri="{FF2B5EF4-FFF2-40B4-BE49-F238E27FC236}">
+                <a16:creationId xmlns:a16="http://schemas.microsoft.com/office/drawing/2014/main" id="{D30D57AA-1187-4841-A411-E959CBF9A326}"/>
+              </a:ext>
+            </a:extLst>
+          </p:cNvPr>
+          <p:cNvSpPr>
+            <a:spLocks noGrp="1"/>
+          </p:cNvSpPr>
+          <p:nvPr>
+            <p:ph idx="1"/>
+          </p:nvPr>
+        </p:nvSpPr>
+        <p:spPr/>
+        <p:txBody>
+          <a:bodyPr/>
+          <a:lstStyle/>
+          <a:p>
+            <a:r>
+              <a:rPr lang="en-US" dirty="0"/>
+              <a:t>Eigen has own BLAS/LAPACK functions, so if you use official R, you will find that </a:t>
+            </a:r>
+            <a:r>
+              <a:rPr lang="en-US" dirty="0" err="1"/>
+              <a:t>RcppEigen</a:t>
+            </a:r>
+            <a:r>
+              <a:rPr lang="en-US" dirty="0"/>
+              <a:t> outperforms </a:t>
+            </a:r>
+            <a:r>
+              <a:rPr lang="en-US" dirty="0" err="1"/>
+              <a:t>RcppArmadillo</a:t>
+            </a:r>
+            <a:r>
+              <a:rPr lang="en-US" dirty="0"/>
+              <a:t> in matrix operations. That is because </a:t>
+            </a:r>
+            <a:r>
+              <a:rPr lang="en-US" dirty="0" err="1"/>
+              <a:t>RcppArmadillo</a:t>
+            </a:r>
+            <a:r>
+              <a:rPr lang="en-US" dirty="0"/>
+              <a:t> share the same BLAS/LAPACK with R.</a:t>
+            </a:r>
+          </a:p>
+          <a:p>
+            <a:r>
+              <a:rPr lang="en-US" dirty="0"/>
+              <a:t>However, if you use MRO, you will see that </a:t>
+            </a:r>
+            <a:r>
+              <a:rPr lang="en-US" dirty="0" err="1"/>
+              <a:t>RcppArmadillo</a:t>
+            </a:r>
+            <a:r>
+              <a:rPr lang="en-US" dirty="0"/>
+              <a:t> outperforms </a:t>
+            </a:r>
+            <a:r>
+              <a:rPr lang="en-US" dirty="0" err="1"/>
+              <a:t>RcppEigen</a:t>
+            </a:r>
+            <a:r>
+              <a:rPr lang="en-US" dirty="0"/>
+              <a:t> since the performance of MKL is better than Eigen.</a:t>
+            </a:r>
+          </a:p>
+          <a:p>
+            <a:endParaRPr lang="en-US" dirty="0"/>
+          </a:p>
+        </p:txBody>
+      </p:sp>
+      <p:sp>
+        <p:nvSpPr>
+          <p:cNvPr id="4" name="Date Placeholder 3">
+            <a:extLst>
+              <a:ext uri="{FF2B5EF4-FFF2-40B4-BE49-F238E27FC236}">
+                <a16:creationId xmlns:a16="http://schemas.microsoft.com/office/drawing/2014/main" id="{8BC0FB36-547F-4B36-AF04-703BE89E353C}"/>
+              </a:ext>
+            </a:extLst>
+          </p:cNvPr>
+          <p:cNvSpPr>
+            <a:spLocks noGrp="1"/>
+          </p:cNvSpPr>
+          <p:nvPr>
+            <p:ph type="dt" sz="half" idx="10"/>
+          </p:nvPr>
+        </p:nvSpPr>
+        <p:spPr/>
+        <p:txBody>
+          <a:bodyPr/>
+          <a:lstStyle/>
+          <a:p>
+            <a:r>
+              <a:rPr lang="en-US" dirty="0"/>
+              <a:t>2019/01/09</a:t>
+            </a:r>
+          </a:p>
+        </p:txBody>
+      </p:sp>
+      <p:sp>
+        <p:nvSpPr>
+          <p:cNvPr id="5" name="Footer Placeholder 4">
+            <a:extLst>
+              <a:ext uri="{FF2B5EF4-FFF2-40B4-BE49-F238E27FC236}">
+                <a16:creationId xmlns:a16="http://schemas.microsoft.com/office/drawing/2014/main" id="{7FDEE35A-D1C6-4376-BB34-CF6D48A0B3E6}"/>
+              </a:ext>
+            </a:extLst>
+          </p:cNvPr>
+          <p:cNvSpPr>
+            <a:spLocks noGrp="1"/>
+          </p:cNvSpPr>
+          <p:nvPr>
+            <p:ph type="ftr" sz="quarter" idx="11"/>
+          </p:nvPr>
+        </p:nvSpPr>
+        <p:spPr/>
+        <p:txBody>
+          <a:bodyPr/>
+          <a:lstStyle/>
+          <a:p>
+            <a:r>
+              <a:rPr lang="en-US"/>
+              <a:t>RcppArmadillo and Parallelism in Rcpp</a:t>
+            </a:r>
+            <a:endParaRPr lang="en-US" dirty="0"/>
+          </a:p>
+        </p:txBody>
+      </p:sp>
+      <p:sp>
+        <p:nvSpPr>
+          <p:cNvPr id="6" name="Slide Number Placeholder 5">
+            <a:extLst>
+              <a:ext uri="{FF2B5EF4-FFF2-40B4-BE49-F238E27FC236}">
+                <a16:creationId xmlns:a16="http://schemas.microsoft.com/office/drawing/2014/main" id="{5672C12F-7523-4580-AF34-57D59E6443BB}"/>
+              </a:ext>
+            </a:extLst>
+          </p:cNvPr>
+          <p:cNvSpPr>
+            <a:spLocks noGrp="1"/>
+          </p:cNvSpPr>
+          <p:nvPr>
+            <p:ph type="sldNum" sz="quarter" idx="12"/>
+          </p:nvPr>
+        </p:nvSpPr>
+        <p:spPr>
+          <a:xfrm>
+            <a:off x="8620517" y="6340574"/>
+            <a:ext cx="2743200" cy="365125"/>
+          </a:xfrm>
+        </p:spPr>
+        <p:txBody>
+          <a:bodyPr/>
+          <a:lstStyle/>
+          <a:p>
+            <a:fld id="{D325CB3F-26C9-44D7-A7CB-40F86C5CE4B1}" type="slidenum">
+              <a:rPr lang="en-US" smtClean="0"/>
+              <a:t>22</a:t>
+            </a:fld>
+            <a:endParaRPr lang="en-US"/>
+          </a:p>
+        </p:txBody>
+      </p:sp>
+      <p:sp>
+        <p:nvSpPr>
+          <p:cNvPr id="7" name="Action Button: Go Forward or Next 6">
+            <a:hlinkClick r:id="rId2" action="ppaction://hlinksldjump" highlightClick="1"/>
+            <a:extLst>
+              <a:ext uri="{FF2B5EF4-FFF2-40B4-BE49-F238E27FC236}">
+                <a16:creationId xmlns:a16="http://schemas.microsoft.com/office/drawing/2014/main" id="{6AE7001B-5C8E-4E80-9008-66F489E55E8A}"/>
+              </a:ext>
+            </a:extLst>
+          </p:cNvPr>
+          <p:cNvSpPr/>
+          <p:nvPr/>
+        </p:nvSpPr>
+        <p:spPr>
+          <a:xfrm>
+            <a:off x="10560496" y="5589240"/>
+            <a:ext cx="504056" cy="504056"/>
+          </a:xfrm>
+          <a:prstGeom prst="actionButtonForwardNext">
+            <a:avLst/>
+          </a:prstGeom>
+        </p:spPr>
+        <p:style>
+          <a:lnRef idx="2">
+            <a:schemeClr val="accent1">
+              <a:shade val="50000"/>
+            </a:schemeClr>
+          </a:lnRef>
+          <a:fillRef idx="1">
+            <a:schemeClr val="accent1"/>
+          </a:fillRef>
+          <a:effectRef idx="0">
+            <a:schemeClr val="accent1"/>
+          </a:effectRef>
+          <a:fontRef idx="minor">
+            <a:schemeClr val="lt1"/>
+          </a:fontRef>
+        </p:style>
+        <p:txBody>
+          <a:bodyPr rtlCol="0" anchor="ctr"/>
+          <a:lstStyle/>
+          <a:p>
+            <a:pPr algn="ctr"/>
+            <a:endParaRPr lang="en-US" dirty="0"/>
+          </a:p>
+        </p:txBody>
+      </p:sp>
+    </p:spTree>
+    <p:extLst>
+      <p:ext uri="{BB962C8B-B14F-4D97-AF65-F5344CB8AC3E}">
+        <p14:creationId xmlns:p14="http://schemas.microsoft.com/office/powerpoint/2010/main" val="4256141250"/>
+      </p:ext>
+    </p:extLst>
+  </p:cSld>
+  <p:clrMapOvr>
+    <a:masterClrMapping/>
+  </p:clrMapOvr>
+</p:sld>
+</file>
+
 <file path=ppt/slides/slide3.xml><?xml version="1.0" encoding="utf-8"?>
 <p:sld xmlns:a="http://schemas.openxmlformats.org/drawingml/2006/main" xmlns:r="http://schemas.openxmlformats.org/officeDocument/2006/relationships" xmlns:p="http://schemas.openxmlformats.org/presentationml/2006/main">
   <p:cSld>
@@ -28458,7 +31761,7 @@
           <a:p>
             <a:r>
               <a:rPr lang="en-US" dirty="0"/>
-              <a:t>2019/01/03</a:t>
+              <a:t>2019/01/09</a:t>
             </a:r>
           </a:p>
         </p:txBody>
@@ -28725,7 +32028,7 @@
           <a:p>
             <a:r>
               <a:rPr lang="en-US" dirty="0"/>
-              <a:t>2019/01/03</a:t>
+              <a:t>2019/01/09</a:t>
             </a:r>
           </a:p>
         </p:txBody>
@@ -28964,7 +32267,7 @@
           <a:p>
             <a:r>
               <a:rPr lang="en-US" dirty="0"/>
-              <a:t>2019/01/03</a:t>
+              <a:t>2019/01/09</a:t>
             </a:r>
           </a:p>
         </p:txBody>
@@ -29056,6 +32359,53 @@
               <a:rPr lang="en-US" dirty="0"/>
               <a:t>4</a:t>
             </a:r>
+          </a:p>
+        </p:txBody>
+      </p:sp>
+      <p:sp>
+        <p:nvSpPr>
+          <p:cNvPr id="8" name="Action Button: Go Forward or Next 7">
+            <a:hlinkClick r:id="rId2" action="ppaction://hlinksldjump" highlightClick="1"/>
+            <a:extLst>
+              <a:ext uri="{FF2B5EF4-FFF2-40B4-BE49-F238E27FC236}">
+                <a16:creationId xmlns:a16="http://schemas.microsoft.com/office/drawing/2014/main" id="{BA57A8E8-9638-4F55-940A-345FE4DB2BF5}"/>
+              </a:ext>
+            </a:extLst>
+          </p:cNvPr>
+          <p:cNvSpPr/>
+          <p:nvPr/>
+        </p:nvSpPr>
+        <p:spPr>
+          <a:xfrm>
+            <a:off x="10560496" y="5589240"/>
+            <a:ext cx="504056" cy="504056"/>
+          </a:xfrm>
+          <a:prstGeom prst="actionButtonForwardNext">
+            <a:avLst/>
+          </a:prstGeom>
+        </p:spPr>
+        <p:style>
+          <a:lnRef idx="2">
+            <a:schemeClr val="accent1">
+              <a:shade val="50000"/>
+            </a:schemeClr>
+          </a:lnRef>
+          <a:fillRef idx="1">
+            <a:schemeClr val="accent1"/>
+          </a:fillRef>
+          <a:effectRef idx="0">
+            <a:schemeClr val="accent1"/>
+          </a:effectRef>
+          <a:fontRef idx="minor">
+            <a:schemeClr val="lt1"/>
+          </a:fontRef>
+        </p:style>
+        <p:txBody>
+          <a:bodyPr rtlCol="0" anchor="ctr"/>
+          <a:lstStyle/>
+          <a:p>
+            <a:pPr algn="ctr"/>
+            <a:endParaRPr lang="en-US"/>
           </a:p>
         </p:txBody>
       </p:sp>
@@ -29176,7 +32526,7 @@
           <a:p>
             <a:r>
               <a:rPr lang="en-US" dirty="0"/>
-              <a:t>2019/01/03</a:t>
+              <a:t>2019/01/09</a:t>
             </a:r>
           </a:p>
         </p:txBody>
@@ -29550,7 +32900,7 @@
           <a:p>
             <a:r>
               <a:rPr lang="en-US" dirty="0"/>
-              <a:t>2019/01/03</a:t>
+              <a:t>2019/01/09</a:t>
             </a:r>
           </a:p>
         </p:txBody>
@@ -30155,10 +33505,9 @@
           <a:lstStyle/>
           <a:p>
             <a:r>
-              <a:rPr lang="en-US"/>
-              <a:t>2019/01/03</a:t>
-            </a:r>
-            <a:endParaRPr lang="en-US" dirty="0"/>
+              <a:rPr lang="en-US" dirty="0"/>
+              <a:t>2019/01/09</a:t>
+            </a:r>
           </a:p>
         </p:txBody>
       </p:sp>
@@ -30723,10 +34072,9 @@
           <a:lstStyle/>
           <a:p>
             <a:r>
-              <a:rPr lang="en-US"/>
-              <a:t>2019/01/03</a:t>
-            </a:r>
-            <a:endParaRPr lang="en-US" dirty="0"/>
+              <a:rPr lang="en-US" dirty="0"/>
+              <a:t>2019/01/09</a:t>
+            </a:r>
           </a:p>
         </p:txBody>
       </p:sp>

--- a/leture_powerpoint_0109.pptx
+++ b/leture_powerpoint_0109.pptx
@@ -21192,36 +21192,6 @@
       </p:sp>
       <p:pic>
         <p:nvPicPr>
-          <p:cNvPr id="15" name="Picture 14">
-            <a:extLst>
-              <a:ext uri="{FF2B5EF4-FFF2-40B4-BE49-F238E27FC236}">
-                <a16:creationId xmlns:a16="http://schemas.microsoft.com/office/drawing/2014/main" id="{8CE28494-2197-4200-8C0B-4ED296914632}"/>
-              </a:ext>
-            </a:extLst>
-          </p:cNvPr>
-          <p:cNvPicPr>
-            <a:picLocks noChangeAspect="1"/>
-          </p:cNvPicPr>
-          <p:nvPr/>
-        </p:nvPicPr>
-        <p:blipFill>
-          <a:blip r:embed="rId2"/>
-          <a:stretch>
-            <a:fillRect/>
-          </a:stretch>
-        </p:blipFill>
-        <p:spPr>
-          <a:xfrm>
-            <a:off x="6888088" y="223159"/>
-            <a:ext cx="5112568" cy="1203277"/>
-          </a:xfrm>
-          <a:prstGeom prst="rect">
-            <a:avLst/>
-          </a:prstGeom>
-        </p:spPr>
-      </p:pic>
-      <p:pic>
-        <p:nvPicPr>
           <p:cNvPr id="16" name="Picture 15">
             <a:extLst>
               <a:ext uri="{FF2B5EF4-FFF2-40B4-BE49-F238E27FC236}">
@@ -21235,7 +21205,7 @@
           <p:nvPr/>
         </p:nvPicPr>
         <p:blipFill rotWithShape="1">
-          <a:blip r:embed="rId3" cstate="screen">
+          <a:blip r:embed="rId2" cstate="screen">
             <a:extLst>
               <a:ext uri="{28A0092B-C50C-407E-A947-70E740481C1C}">
                 <a14:useLocalDpi xmlns:a14="http://schemas.microsoft.com/office/drawing/2010/main"/>
@@ -21270,7 +21240,7 @@
           <p:nvPr/>
         </p:nvPicPr>
         <p:blipFill rotWithShape="1">
-          <a:blip r:embed="rId4" cstate="screen">
+          <a:blip r:embed="rId3" cstate="screen">
             <a:extLst>
               <a:ext uri="{28A0092B-C50C-407E-A947-70E740481C1C}">
                 <a14:useLocalDpi xmlns:a14="http://schemas.microsoft.com/office/drawing/2010/main"/>
@@ -21305,7 +21275,7 @@
           <p:nvPr/>
         </p:nvPicPr>
         <p:blipFill rotWithShape="1">
-          <a:blip r:embed="rId5" cstate="screen">
+          <a:blip r:embed="rId4" cstate="screen">
             <a:extLst>
               <a:ext uri="{28A0092B-C50C-407E-A947-70E740481C1C}">
                 <a14:useLocalDpi xmlns:a14="http://schemas.microsoft.com/office/drawing/2010/main"/>
@@ -21415,6 +21385,36 @@
           </a:p>
         </p:txBody>
       </p:sp>
+      <p:pic>
+        <p:nvPicPr>
+          <p:cNvPr id="21" name="Picture 20">
+            <a:extLst>
+              <a:ext uri="{FF2B5EF4-FFF2-40B4-BE49-F238E27FC236}">
+                <a16:creationId xmlns:a16="http://schemas.microsoft.com/office/drawing/2014/main" id="{BE57B5ED-9758-4AE7-9622-8AC563E7C00B}"/>
+              </a:ext>
+            </a:extLst>
+          </p:cNvPr>
+          <p:cNvPicPr>
+            <a:picLocks noChangeAspect="1"/>
+          </p:cNvPicPr>
+          <p:nvPr/>
+        </p:nvPicPr>
+        <p:blipFill>
+          <a:blip r:embed="rId5"/>
+          <a:stretch>
+            <a:fillRect/>
+          </a:stretch>
+        </p:blipFill>
+        <p:spPr>
+          <a:xfrm>
+            <a:off x="6816080" y="270496"/>
+            <a:ext cx="5325812" cy="1240364"/>
+          </a:xfrm>
+          <a:prstGeom prst="rect">
+            <a:avLst/>
+          </a:prstGeom>
+        </p:spPr>
+      </p:pic>
     </p:spTree>
     <p:extLst>
       <p:ext uri="{BB962C8B-B14F-4D97-AF65-F5344CB8AC3E}">
@@ -25277,6 +25277,82 @@
               <a:buFont typeface="+mj-lt"/>
               <a:buAutoNum type="arabicPeriod"/>
             </a:pPr>
+            <a:r>
+              <a:rPr lang="en-US" sz="1400" dirty="0">
+                <a:hlinkClick r:id="rId10"/>
+              </a:rPr>
+              <a:t>https://thelaziestprogrammer.com/sharrington/math-of-machine-learning/solving-logreg-newtons-method</a:t>
+            </a:r>
+            <a:endParaRPr lang="en-US" sz="1400" dirty="0"/>
+          </a:p>
+          <a:p>
+            <a:pPr marL="182880" indent="-182880">
+              <a:spcBef>
+                <a:spcPts val="600"/>
+              </a:spcBef>
+              <a:spcAft>
+                <a:spcPts val="600"/>
+              </a:spcAft>
+              <a:buFont typeface="+mj-lt"/>
+              <a:buAutoNum type="arabicPeriod"/>
+            </a:pPr>
+            <a:r>
+              <a:rPr lang="en-US" sz="1400">
+                <a:hlinkClick r:id="rId11"/>
+              </a:rPr>
+              <a:t>https</a:t>
+            </a:r>
+            <a:r>
+              <a:rPr lang="en-US" sz="1400" dirty="0">
+                <a:hlinkClick r:id="rId11"/>
+              </a:rPr>
+              <a:t>://www.statlect.com/fundamentals-of-statistics</a:t>
+            </a:r>
+            <a:r>
+              <a:rPr lang="en-US" sz="1400">
+                <a:hlinkClick r:id="rId11"/>
+              </a:rPr>
+              <a:t>/logistic-model-maximum-likelihood</a:t>
+            </a:r>
+            <a:endParaRPr lang="en-US" sz="1400"/>
+          </a:p>
+          <a:p>
+            <a:pPr marL="182880" indent="-182880">
+              <a:spcBef>
+                <a:spcPts val="600"/>
+              </a:spcBef>
+              <a:spcAft>
+                <a:spcPts val="600"/>
+              </a:spcAft>
+              <a:buFont typeface="+mj-lt"/>
+              <a:buAutoNum type="arabicPeriod"/>
+            </a:pPr>
+            <a:endParaRPr lang="en-US" sz="1400" dirty="0"/>
+          </a:p>
+          <a:p>
+            <a:pPr marL="182880" indent="-182880">
+              <a:spcBef>
+                <a:spcPts val="600"/>
+              </a:spcBef>
+              <a:spcAft>
+                <a:spcPts val="600"/>
+              </a:spcAft>
+              <a:buFont typeface="+mj-lt"/>
+              <a:buAutoNum type="arabicPeriod"/>
+            </a:pPr>
+            <a:endParaRPr lang="en-US" sz="1400" dirty="0"/>
+          </a:p>
+          <a:p>
+            <a:pPr marL="182880" indent="-182880">
+              <a:spcBef>
+                <a:spcPts val="600"/>
+              </a:spcBef>
+              <a:spcAft>
+                <a:spcPts val="600"/>
+              </a:spcAft>
+              <a:buFont typeface="+mj-lt"/>
+              <a:buAutoNum type="arabicPeriod"/>
+            </a:pPr>
             <a:endParaRPr lang="en-US" sz="1400" dirty="0"/>
           </a:p>
           <a:p>
